--- a/Final Presentation.pptx
+++ b/Final Presentation.pptx
@@ -130,11 +130,12 @@
 <file path=ppt/revisionInfo.xml><?xml version="1.0" encoding="utf-8"?>
 <p1510:revInfo xmlns:a="http://schemas.openxmlformats.org/drawingml/2006/main" xmlns:r="http://schemas.openxmlformats.org/officeDocument/2006/relationships" xmlns:p1510="http://schemas.microsoft.com/office/powerpoint/2015/10/main">
   <p1510:revLst>
-    <p1510:client id="{1357DE78-8A2B-4D21-A1B2-6E032AD1BF4D}" v="231" dt="2021-12-14T02:52:32.392"/>
+    <p1510:client id="{1357DE78-8A2B-4D21-A1B2-6E032AD1BF4D}" v="252" dt="2021-12-14T03:18:55.382"/>
     <p1510:client id="{40E95D6C-5DB6-40CE-B915-9A11429FE331}" v="312" dt="2021-12-14T02:25:26.839"/>
     <p1510:client id="{8825D9FC-D7D7-45C6-A62D-8D26241AC897}" v="14" vWet="16" dt="2021-12-14T02:12:46.387"/>
-    <p1510:client id="{AC553246-25BA-4A16-993B-0F74363872E4}" v="331" dt="2021-12-14T03:00:17.143"/>
+    <p1510:client id="{AC553246-25BA-4A16-993B-0F74363872E4}" v="522" dt="2021-12-14T03:18:13.217"/>
     <p1510:client id="{E8408105-4944-46B4-84E0-478FEB62B446}" v="15" dt="2021-12-14T02:35:05.145"/>
+    <p1510:client id="{F635F3B7-B805-448E-81E1-3447C4860C6A}" v="24" dt="2021-12-14T03:22:39.836"/>
   </p1510:revLst>
 </p1510:revInfo>
 </file>
@@ -600,32 +601,24 @@
     </pc:docChg>
   </pc:docChgLst>
   <pc:docChgLst>
-    <pc:chgData name="Sam Wagner" userId="S::samanthawagner@unomaha.edu::16297234-fb1c-49cd-ab2e-a70cbd0c939b" providerId="AD" clId="Web-{4D929B99-296D-4D51-BFC8-D1D89556A194}"/>
-    <pc:docChg chg="addSld modSld">
-      <pc:chgData name="Sam Wagner" userId="S::samanthawagner@unomaha.edu::16297234-fb1c-49cd-ab2e-a70cbd0c939b" providerId="AD" clId="Web-{4D929B99-296D-4D51-BFC8-D1D89556A194}" dt="2021-12-11T19:36:17.978" v="26" actId="20577"/>
+    <pc:chgData name="Praveen Kumar" userId="S::pkumar@unomaha.edu::bad84c2f-1327-4543-8d1c-7c9e7760840f" providerId="AD" clId="Web-{F635F3B7-B805-448E-81E1-3447C4860C6A}"/>
+    <pc:docChg chg="modSld">
+      <pc:chgData name="Praveen Kumar" userId="S::pkumar@unomaha.edu::bad84c2f-1327-4543-8d1c-7c9e7760840f" providerId="AD" clId="Web-{F635F3B7-B805-448E-81E1-3447C4860C6A}" dt="2021-12-14T03:22:39.836" v="26" actId="20577"/>
       <pc:docMkLst>
         <pc:docMk/>
       </pc:docMkLst>
-      <pc:sldChg chg="modSp new">
-        <pc:chgData name="Sam Wagner" userId="S::samanthawagner@unomaha.edu::16297234-fb1c-49cd-ab2e-a70cbd0c939b" providerId="AD" clId="Web-{4D929B99-296D-4D51-BFC8-D1D89556A194}" dt="2021-12-11T19:36:17.978" v="26" actId="20577"/>
+      <pc:sldChg chg="modSp">
+        <pc:chgData name="Praveen Kumar" userId="S::pkumar@unomaha.edu::bad84c2f-1327-4543-8d1c-7c9e7760840f" providerId="AD" clId="Web-{F635F3B7-B805-448E-81E1-3447C4860C6A}" dt="2021-12-14T03:22:39.836" v="26" actId="20577"/>
         <pc:sldMkLst>
           <pc:docMk/>
-          <pc:sldMk cId="3736161039" sldId="298"/>
+          <pc:sldMk cId="907243233" sldId="296"/>
         </pc:sldMkLst>
         <pc:spChg chg="mod">
-          <ac:chgData name="Sam Wagner" userId="S::samanthawagner@unomaha.edu::16297234-fb1c-49cd-ab2e-a70cbd0c939b" providerId="AD" clId="Web-{4D929B99-296D-4D51-BFC8-D1D89556A194}" dt="2021-12-11T19:35:33.665" v="11" actId="20577"/>
+          <ac:chgData name="Praveen Kumar" userId="S::pkumar@unomaha.edu::bad84c2f-1327-4543-8d1c-7c9e7760840f" providerId="AD" clId="Web-{F635F3B7-B805-448E-81E1-3447C4860C6A}" dt="2021-12-14T03:22:39.836" v="26" actId="20577"/>
           <ac:spMkLst>
             <pc:docMk/>
-            <pc:sldMk cId="3736161039" sldId="298"/>
-            <ac:spMk id="2" creationId="{34AD8C59-1B8E-4057-A05F-9BE6C0409D34}"/>
-          </ac:spMkLst>
-        </pc:spChg>
-        <pc:spChg chg="mod">
-          <ac:chgData name="Sam Wagner" userId="S::samanthawagner@unomaha.edu::16297234-fb1c-49cd-ab2e-a70cbd0c939b" providerId="AD" clId="Web-{4D929B99-296D-4D51-BFC8-D1D89556A194}" dt="2021-12-11T19:36:17.978" v="26" actId="20577"/>
-          <ac:spMkLst>
-            <pc:docMk/>
-            <pc:sldMk cId="3736161039" sldId="298"/>
-            <ac:spMk id="3" creationId="{785AE07D-EFFC-4FFB-A9B6-15773EDE24BA}"/>
+            <pc:sldMk cId="907243233" sldId="296"/>
+            <ac:spMk id="13" creationId="{82D206D7-AB56-4685-A06A-3F25ADA06F1E}"/>
           </ac:spMkLst>
         </pc:spChg>
       </pc:sldChg>
@@ -716,6 +709,38 @@
             <ac:cxnSpMk id="11" creationId="{F15CCCF0-E573-463A-9760-1FDC0B2CFBD7}"/>
           </ac:cxnSpMkLst>
         </pc:cxnChg>
+      </pc:sldChg>
+    </pc:docChg>
+  </pc:docChgLst>
+  <pc:docChgLst>
+    <pc:chgData name="Sam Wagner" userId="S::samanthawagner@unomaha.edu::16297234-fb1c-49cd-ab2e-a70cbd0c939b" providerId="AD" clId="Web-{4D929B99-296D-4D51-BFC8-D1D89556A194}"/>
+    <pc:docChg chg="addSld modSld">
+      <pc:chgData name="Sam Wagner" userId="S::samanthawagner@unomaha.edu::16297234-fb1c-49cd-ab2e-a70cbd0c939b" providerId="AD" clId="Web-{4D929B99-296D-4D51-BFC8-D1D89556A194}" dt="2021-12-11T19:36:17.978" v="26" actId="20577"/>
+      <pc:docMkLst>
+        <pc:docMk/>
+      </pc:docMkLst>
+      <pc:sldChg chg="modSp new">
+        <pc:chgData name="Sam Wagner" userId="S::samanthawagner@unomaha.edu::16297234-fb1c-49cd-ab2e-a70cbd0c939b" providerId="AD" clId="Web-{4D929B99-296D-4D51-BFC8-D1D89556A194}" dt="2021-12-11T19:36:17.978" v="26" actId="20577"/>
+        <pc:sldMkLst>
+          <pc:docMk/>
+          <pc:sldMk cId="3736161039" sldId="298"/>
+        </pc:sldMkLst>
+        <pc:spChg chg="mod">
+          <ac:chgData name="Sam Wagner" userId="S::samanthawagner@unomaha.edu::16297234-fb1c-49cd-ab2e-a70cbd0c939b" providerId="AD" clId="Web-{4D929B99-296D-4D51-BFC8-D1D89556A194}" dt="2021-12-11T19:35:33.665" v="11" actId="20577"/>
+          <ac:spMkLst>
+            <pc:docMk/>
+            <pc:sldMk cId="3736161039" sldId="298"/>
+            <ac:spMk id="2" creationId="{34AD8C59-1B8E-4057-A05F-9BE6C0409D34}"/>
+          </ac:spMkLst>
+        </pc:spChg>
+        <pc:spChg chg="mod">
+          <ac:chgData name="Sam Wagner" userId="S::samanthawagner@unomaha.edu::16297234-fb1c-49cd-ab2e-a70cbd0c939b" providerId="AD" clId="Web-{4D929B99-296D-4D51-BFC8-D1D89556A194}" dt="2021-12-11T19:36:17.978" v="26" actId="20577"/>
+          <ac:spMkLst>
+            <pc:docMk/>
+            <pc:sldMk cId="3736161039" sldId="298"/>
+            <ac:spMk id="3" creationId="{785AE07D-EFFC-4FFB-A9B6-15773EDE24BA}"/>
+          </ac:spMkLst>
+        </pc:spChg>
       </pc:sldChg>
     </pc:docChg>
   </pc:docChgLst>
@@ -826,222 +851,6 @@
             <ac:spMk id="3" creationId="{1D1D979C-CDB2-47B1-BF7D-95DA6DA10331}"/>
           </ac:spMkLst>
         </pc:spChg>
-      </pc:sldChg>
-    </pc:docChg>
-  </pc:docChgLst>
-  <pc:docChgLst>
-    <pc:chgData name="Sam Wagner" userId="S::samanthawagner@unomaha.edu::16297234-fb1c-49cd-ab2e-a70cbd0c939b" providerId="AD" clId="Web-{40E95D6C-5DB6-40CE-B915-9A11429FE331}"/>
-    <pc:docChg chg="addSld delSld modSld sldOrd">
-      <pc:chgData name="Sam Wagner" userId="S::samanthawagner@unomaha.edu::16297234-fb1c-49cd-ab2e-a70cbd0c939b" providerId="AD" clId="Web-{40E95D6C-5DB6-40CE-B915-9A11429FE331}" dt="2021-12-14T02:25:26.839" v="172" actId="1076"/>
-      <pc:docMkLst>
-        <pc:docMk/>
-      </pc:docMkLst>
-      <pc:sldChg chg="addSp modSp ord">
-        <pc:chgData name="Sam Wagner" userId="S::samanthawagner@unomaha.edu::16297234-fb1c-49cd-ab2e-a70cbd0c939b" providerId="AD" clId="Web-{40E95D6C-5DB6-40CE-B915-9A11429FE331}" dt="2021-12-14T02:24:19.026" v="153" actId="1076"/>
-        <pc:sldMkLst>
-          <pc:docMk/>
-          <pc:sldMk cId="3142299172" sldId="288"/>
-        </pc:sldMkLst>
-        <pc:spChg chg="add mod">
-          <ac:chgData name="Sam Wagner" userId="S::samanthawagner@unomaha.edu::16297234-fb1c-49cd-ab2e-a70cbd0c939b" providerId="AD" clId="Web-{40E95D6C-5DB6-40CE-B915-9A11429FE331}" dt="2021-12-14T02:20:21.119" v="128" actId="14100"/>
-          <ac:spMkLst>
-            <pc:docMk/>
-            <pc:sldMk cId="3142299172" sldId="288"/>
-            <ac:spMk id="3" creationId="{B0625FA2-F5BD-4752-BCC7-EC74CE8AF4F5}"/>
-          </ac:spMkLst>
-        </pc:spChg>
-        <pc:spChg chg="add mod">
-          <ac:chgData name="Sam Wagner" userId="S::samanthawagner@unomaha.edu::16297234-fb1c-49cd-ab2e-a70cbd0c939b" providerId="AD" clId="Web-{40E95D6C-5DB6-40CE-B915-9A11429FE331}" dt="2021-12-14T02:24:19.026" v="153" actId="1076"/>
-          <ac:spMkLst>
-            <pc:docMk/>
-            <pc:sldMk cId="3142299172" sldId="288"/>
-            <ac:spMk id="5" creationId="{B0B1A478-19DF-4724-948F-ECC9A80C73A1}"/>
-          </ac:spMkLst>
-        </pc:spChg>
-        <pc:picChg chg="mod">
-          <ac:chgData name="Sam Wagner" userId="S::samanthawagner@unomaha.edu::16297234-fb1c-49cd-ab2e-a70cbd0c939b" providerId="AD" clId="Web-{40E95D6C-5DB6-40CE-B915-9A11429FE331}" dt="2021-12-14T02:19:26.321" v="52" actId="1076"/>
-          <ac:picMkLst>
-            <pc:docMk/>
-            <pc:sldMk cId="3142299172" sldId="288"/>
-            <ac:picMk id="4" creationId="{83DFAFA7-4664-4E48-9B71-6058A109AD46}"/>
-          </ac:picMkLst>
-        </pc:picChg>
-      </pc:sldChg>
-      <pc:sldChg chg="del">
-        <pc:chgData name="Sam Wagner" userId="S::samanthawagner@unomaha.edu::16297234-fb1c-49cd-ab2e-a70cbd0c939b" providerId="AD" clId="Web-{40E95D6C-5DB6-40CE-B915-9A11429FE331}" dt="2021-12-14T02:18:52.259" v="51"/>
-        <pc:sldMkLst>
-          <pc:docMk/>
-          <pc:sldMk cId="3854946920" sldId="292"/>
-        </pc:sldMkLst>
-      </pc:sldChg>
-      <pc:sldChg chg="delSp ord">
-        <pc:chgData name="Sam Wagner" userId="S::samanthawagner@unomaha.edu::16297234-fb1c-49cd-ab2e-a70cbd0c939b" providerId="AD" clId="Web-{40E95D6C-5DB6-40CE-B915-9A11429FE331}" dt="2021-12-14T02:24:55.276" v="160"/>
-        <pc:sldMkLst>
-          <pc:docMk/>
-          <pc:sldMk cId="1073521535" sldId="301"/>
-        </pc:sldMkLst>
-        <pc:picChg chg="del">
-          <ac:chgData name="Sam Wagner" userId="S::samanthawagner@unomaha.edu::16297234-fb1c-49cd-ab2e-a70cbd0c939b" providerId="AD" clId="Web-{40E95D6C-5DB6-40CE-B915-9A11429FE331}" dt="2021-12-14T02:24:55.276" v="160"/>
-          <ac:picMkLst>
-            <pc:docMk/>
-            <pc:sldMk cId="1073521535" sldId="301"/>
-            <ac:picMk id="5" creationId="{0B7F5430-DB12-4831-9D70-4D10D29FD9C4}"/>
-          </ac:picMkLst>
-        </pc:picChg>
-      </pc:sldChg>
-      <pc:sldChg chg="addSp modSp del">
-        <pc:chgData name="Sam Wagner" userId="S::samanthawagner@unomaha.edu::16297234-fb1c-49cd-ab2e-a70cbd0c939b" providerId="AD" clId="Web-{40E95D6C-5DB6-40CE-B915-9A11429FE331}" dt="2021-12-14T02:24:26.214" v="155"/>
-        <pc:sldMkLst>
-          <pc:docMk/>
-          <pc:sldMk cId="916843013" sldId="302"/>
-        </pc:sldMkLst>
-        <pc:spChg chg="add mod">
-          <ac:chgData name="Sam Wagner" userId="S::samanthawagner@unomaha.edu::16297234-fb1c-49cd-ab2e-a70cbd0c939b" providerId="AD" clId="Web-{40E95D6C-5DB6-40CE-B915-9A11429FE331}" dt="2021-12-14T02:22:59.463" v="141" actId="20577"/>
-          <ac:spMkLst>
-            <pc:docMk/>
-            <pc:sldMk cId="916843013" sldId="302"/>
-            <ac:spMk id="3" creationId="{EED8C3EA-F459-4230-9301-F3A904931F00}"/>
-          </ac:spMkLst>
-        </pc:spChg>
-        <pc:picChg chg="mod">
-          <ac:chgData name="Sam Wagner" userId="S::samanthawagner@unomaha.edu::16297234-fb1c-49cd-ab2e-a70cbd0c939b" providerId="AD" clId="Web-{40E95D6C-5DB6-40CE-B915-9A11429FE331}" dt="2021-12-14T02:23:07.620" v="144" actId="1076"/>
-          <ac:picMkLst>
-            <pc:docMk/>
-            <pc:sldMk cId="916843013" sldId="302"/>
-            <ac:picMk id="5" creationId="{0B7F5430-DB12-4831-9D70-4D10D29FD9C4}"/>
-          </ac:picMkLst>
-        </pc:picChg>
-      </pc:sldChg>
-      <pc:sldChg chg="addSp delSp modSp ord">
-        <pc:chgData name="Sam Wagner" userId="S::samanthawagner@unomaha.edu::16297234-fb1c-49cd-ab2e-a70cbd0c939b" providerId="AD" clId="Web-{40E95D6C-5DB6-40CE-B915-9A11429FE331}" dt="2021-12-14T02:24:50.745" v="159" actId="20577"/>
-        <pc:sldMkLst>
-          <pc:docMk/>
-          <pc:sldMk cId="988239217" sldId="303"/>
-        </pc:sldMkLst>
-        <pc:spChg chg="add">
-          <ac:chgData name="Sam Wagner" userId="S::samanthawagner@unomaha.edu::16297234-fb1c-49cd-ab2e-a70cbd0c939b" providerId="AD" clId="Web-{40E95D6C-5DB6-40CE-B915-9A11429FE331}" dt="2021-12-14T02:14:45.055" v="33"/>
-          <ac:spMkLst>
-            <pc:docMk/>
-            <pc:sldMk cId="988239217" sldId="303"/>
-            <ac:spMk id="3" creationId="{11C84A0D-BA5E-4BD3-B6E9-A8F411EC10E9}"/>
-          </ac:spMkLst>
-        </pc:spChg>
-        <pc:spChg chg="add mod">
-          <ac:chgData name="Sam Wagner" userId="S::samanthawagner@unomaha.edu::16297234-fb1c-49cd-ab2e-a70cbd0c939b" providerId="AD" clId="Web-{40E95D6C-5DB6-40CE-B915-9A11429FE331}" dt="2021-12-14T02:24:50.745" v="159" actId="20577"/>
-          <ac:spMkLst>
-            <pc:docMk/>
-            <pc:sldMk cId="988239217" sldId="303"/>
-            <ac:spMk id="5" creationId="{89894F47-78AF-4D0A-BF8B-8B79C57FF7B9}"/>
-          </ac:spMkLst>
-        </pc:spChg>
-        <pc:spChg chg="add del mod">
-          <ac:chgData name="Sam Wagner" userId="S::samanthawagner@unomaha.edu::16297234-fb1c-49cd-ab2e-a70cbd0c939b" providerId="AD" clId="Web-{40E95D6C-5DB6-40CE-B915-9A11429FE331}" dt="2021-12-14T02:15:42.680" v="42"/>
-          <ac:spMkLst>
-            <pc:docMk/>
-            <pc:sldMk cId="988239217" sldId="303"/>
-            <ac:spMk id="6" creationId="{332275C1-D574-4F97-8BE9-AFA393ECEDE0}"/>
-          </ac:spMkLst>
-        </pc:spChg>
-        <pc:spChg chg="add del">
-          <ac:chgData name="Sam Wagner" userId="S::samanthawagner@unomaha.edu::16297234-fb1c-49cd-ab2e-a70cbd0c939b" providerId="AD" clId="Web-{40E95D6C-5DB6-40CE-B915-9A11429FE331}" dt="2021-12-14T02:15:37.055" v="40"/>
-          <ac:spMkLst>
-            <pc:docMk/>
-            <pc:sldMk cId="988239217" sldId="303"/>
-            <ac:spMk id="7" creationId="{E411B13D-862D-48F9-965A-7DCB5E12F61C}"/>
-          </ac:spMkLst>
-        </pc:spChg>
-        <pc:picChg chg="mod">
-          <ac:chgData name="Sam Wagner" userId="S::samanthawagner@unomaha.edu::16297234-fb1c-49cd-ab2e-a70cbd0c939b" providerId="AD" clId="Web-{40E95D6C-5DB6-40CE-B915-9A11429FE331}" dt="2021-12-14T02:14:40.992" v="32" actId="1076"/>
-          <ac:picMkLst>
-            <pc:docMk/>
-            <pc:sldMk cId="988239217" sldId="303"/>
-            <ac:picMk id="4" creationId="{8E7E0A41-E67E-44D2-A675-FFD29884CB71}"/>
-          </ac:picMkLst>
-        </pc:picChg>
-      </pc:sldChg>
-      <pc:sldChg chg="addSp delSp modSp add replId">
-        <pc:chgData name="Sam Wagner" userId="S::samanthawagner@unomaha.edu::16297234-fb1c-49cd-ab2e-a70cbd0c939b" providerId="AD" clId="Web-{40E95D6C-5DB6-40CE-B915-9A11429FE331}" dt="2021-12-14T02:23:59.635" v="151" actId="20577"/>
-        <pc:sldMkLst>
-          <pc:docMk/>
-          <pc:sldMk cId="3690917875" sldId="304"/>
-        </pc:sldMkLst>
-        <pc:spChg chg="mod">
-          <ac:chgData name="Sam Wagner" userId="S::samanthawagner@unomaha.edu::16297234-fb1c-49cd-ab2e-a70cbd0c939b" providerId="AD" clId="Web-{40E95D6C-5DB6-40CE-B915-9A11429FE331}" dt="2021-12-14T02:23:59.635" v="151" actId="20577"/>
-          <ac:spMkLst>
-            <pc:docMk/>
-            <pc:sldMk cId="3690917875" sldId="304"/>
-            <ac:spMk id="9" creationId="{9ED261F0-F2B3-4340-996D-BD6E6E6815AE}"/>
-          </ac:spMkLst>
-        </pc:spChg>
-        <pc:picChg chg="add mod">
-          <ac:chgData name="Sam Wagner" userId="S::samanthawagner@unomaha.edu::16297234-fb1c-49cd-ab2e-a70cbd0c939b" providerId="AD" clId="Web-{40E95D6C-5DB6-40CE-B915-9A11429FE331}" dt="2021-12-14T02:23:48.745" v="148" actId="1076"/>
-          <ac:picMkLst>
-            <pc:docMk/>
-            <pc:sldMk cId="3690917875" sldId="304"/>
-            <ac:picMk id="3" creationId="{F2F69BAE-40A9-4086-A197-172197D8E6ED}"/>
-          </ac:picMkLst>
-        </pc:picChg>
-        <pc:picChg chg="del">
-          <ac:chgData name="Sam Wagner" userId="S::samanthawagner@unomaha.edu::16297234-fb1c-49cd-ab2e-a70cbd0c939b" providerId="AD" clId="Web-{40E95D6C-5DB6-40CE-B915-9A11429FE331}" dt="2021-12-14T02:23:46.151" v="147"/>
-          <ac:picMkLst>
-            <pc:docMk/>
-            <pc:sldMk cId="3690917875" sldId="304"/>
-            <ac:picMk id="4" creationId="{171D6054-E31C-4F93-9B54-1667844C323B}"/>
-          </ac:picMkLst>
-        </pc:picChg>
-      </pc:sldChg>
-      <pc:sldChg chg="addSp delSp modSp add del ord replId">
-        <pc:chgData name="Sam Wagner" userId="S::samanthawagner@unomaha.edu::16297234-fb1c-49cd-ab2e-a70cbd0c939b" providerId="AD" clId="Web-{40E95D6C-5DB6-40CE-B915-9A11429FE331}" dt="2021-12-14T02:16:53.618" v="50"/>
-        <pc:sldMkLst>
-          <pc:docMk/>
-          <pc:sldMk cId="4058285459" sldId="304"/>
-        </pc:sldMkLst>
-        <pc:spChg chg="add mod">
-          <ac:chgData name="Sam Wagner" userId="S::samanthawagner@unomaha.edu::16297234-fb1c-49cd-ab2e-a70cbd0c939b" providerId="AD" clId="Web-{40E95D6C-5DB6-40CE-B915-9A11429FE331}" dt="2021-12-14T02:14:09.867" v="30" actId="20577"/>
-          <ac:spMkLst>
-            <pc:docMk/>
-            <pc:sldMk cId="4058285459" sldId="304"/>
-            <ac:spMk id="3" creationId="{1FD16183-6468-4A1A-8B27-DBD130BB9708}"/>
-          </ac:spMkLst>
-        </pc:spChg>
-        <pc:picChg chg="del">
-          <ac:chgData name="Sam Wagner" userId="S::samanthawagner@unomaha.edu::16297234-fb1c-49cd-ab2e-a70cbd0c939b" providerId="AD" clId="Web-{40E95D6C-5DB6-40CE-B915-9A11429FE331}" dt="2021-12-14T02:13:06.023" v="3"/>
-          <ac:picMkLst>
-            <pc:docMk/>
-            <pc:sldMk cId="4058285459" sldId="304"/>
-            <ac:picMk id="5" creationId="{0B7F5430-DB12-4831-9D70-4D10D29FD9C4}"/>
-          </ac:picMkLst>
-        </pc:picChg>
-      </pc:sldChg>
-      <pc:sldChg chg="addSp delSp modSp add replId">
-        <pc:chgData name="Sam Wagner" userId="S::samanthawagner@unomaha.edu::16297234-fb1c-49cd-ab2e-a70cbd0c939b" providerId="AD" clId="Web-{40E95D6C-5DB6-40CE-B915-9A11429FE331}" dt="2021-12-14T02:25:26.839" v="172" actId="1076"/>
-        <pc:sldMkLst>
-          <pc:docMk/>
-          <pc:sldMk cId="110576765" sldId="305"/>
-        </pc:sldMkLst>
-        <pc:picChg chg="del">
-          <ac:chgData name="Sam Wagner" userId="S::samanthawagner@unomaha.edu::16297234-fb1c-49cd-ab2e-a70cbd0c939b" providerId="AD" clId="Web-{40E95D6C-5DB6-40CE-B915-9A11429FE331}" dt="2021-12-14T02:25:05.276" v="162"/>
-          <ac:picMkLst>
-            <pc:docMk/>
-            <pc:sldMk cId="110576765" sldId="305"/>
-            <ac:picMk id="3" creationId="{F2F69BAE-40A9-4086-A197-172197D8E6ED}"/>
-          </ac:picMkLst>
-        </pc:picChg>
-        <pc:picChg chg="add del mod">
-          <ac:chgData name="Sam Wagner" userId="S::samanthawagner@unomaha.edu::16297234-fb1c-49cd-ab2e-a70cbd0c939b" providerId="AD" clId="Web-{40E95D6C-5DB6-40CE-B915-9A11429FE331}" dt="2021-12-14T02:25:26.839" v="172" actId="1076"/>
-          <ac:picMkLst>
-            <pc:docMk/>
-            <pc:sldMk cId="110576765" sldId="305"/>
-            <ac:picMk id="4" creationId="{ADAACC1A-6D6C-457E-A868-BE60CA8ADF49}"/>
-          </ac:picMkLst>
-        </pc:picChg>
-      </pc:sldChg>
-      <pc:sldChg chg="new del">
-        <pc:chgData name="Sam Wagner" userId="S::samanthawagner@unomaha.edu::16297234-fb1c-49cd-ab2e-a70cbd0c939b" providerId="AD" clId="Web-{40E95D6C-5DB6-40CE-B915-9A11429FE331}" dt="2021-12-14T02:15:09.836" v="35"/>
-        <pc:sldMkLst>
-          <pc:docMk/>
-          <pc:sldMk cId="2554028201" sldId="305"/>
-        </pc:sldMkLst>
       </pc:sldChg>
     </pc:docChg>
   </pc:docChgLst>
@@ -1171,6 +980,222 @@
             <ac:spMk id="2" creationId="{4E79CB38-64FB-47D5-A599-ED6F50A4D15F}"/>
           </ac:spMkLst>
         </pc:spChg>
+      </pc:sldChg>
+    </pc:docChg>
+  </pc:docChgLst>
+  <pc:docChgLst>
+    <pc:chgData name="Sam Wagner" userId="S::samanthawagner@unomaha.edu::16297234-fb1c-49cd-ab2e-a70cbd0c939b" providerId="AD" clId="Web-{40E95D6C-5DB6-40CE-B915-9A11429FE331}"/>
+    <pc:docChg chg="addSld delSld modSld sldOrd">
+      <pc:chgData name="Sam Wagner" userId="S::samanthawagner@unomaha.edu::16297234-fb1c-49cd-ab2e-a70cbd0c939b" providerId="AD" clId="Web-{40E95D6C-5DB6-40CE-B915-9A11429FE331}" dt="2021-12-14T02:25:26.839" v="172" actId="1076"/>
+      <pc:docMkLst>
+        <pc:docMk/>
+      </pc:docMkLst>
+      <pc:sldChg chg="addSp modSp ord">
+        <pc:chgData name="Sam Wagner" userId="S::samanthawagner@unomaha.edu::16297234-fb1c-49cd-ab2e-a70cbd0c939b" providerId="AD" clId="Web-{40E95D6C-5DB6-40CE-B915-9A11429FE331}" dt="2021-12-14T02:24:19.026" v="153" actId="1076"/>
+        <pc:sldMkLst>
+          <pc:docMk/>
+          <pc:sldMk cId="3142299172" sldId="288"/>
+        </pc:sldMkLst>
+        <pc:spChg chg="add mod">
+          <ac:chgData name="Sam Wagner" userId="S::samanthawagner@unomaha.edu::16297234-fb1c-49cd-ab2e-a70cbd0c939b" providerId="AD" clId="Web-{40E95D6C-5DB6-40CE-B915-9A11429FE331}" dt="2021-12-14T02:20:21.119" v="128" actId="14100"/>
+          <ac:spMkLst>
+            <pc:docMk/>
+            <pc:sldMk cId="3142299172" sldId="288"/>
+            <ac:spMk id="3" creationId="{B0625FA2-F5BD-4752-BCC7-EC74CE8AF4F5}"/>
+          </ac:spMkLst>
+        </pc:spChg>
+        <pc:spChg chg="add mod">
+          <ac:chgData name="Sam Wagner" userId="S::samanthawagner@unomaha.edu::16297234-fb1c-49cd-ab2e-a70cbd0c939b" providerId="AD" clId="Web-{40E95D6C-5DB6-40CE-B915-9A11429FE331}" dt="2021-12-14T02:24:19.026" v="153" actId="1076"/>
+          <ac:spMkLst>
+            <pc:docMk/>
+            <pc:sldMk cId="3142299172" sldId="288"/>
+            <ac:spMk id="5" creationId="{B0B1A478-19DF-4724-948F-ECC9A80C73A1}"/>
+          </ac:spMkLst>
+        </pc:spChg>
+        <pc:picChg chg="mod">
+          <ac:chgData name="Sam Wagner" userId="S::samanthawagner@unomaha.edu::16297234-fb1c-49cd-ab2e-a70cbd0c939b" providerId="AD" clId="Web-{40E95D6C-5DB6-40CE-B915-9A11429FE331}" dt="2021-12-14T02:19:26.321" v="52" actId="1076"/>
+          <ac:picMkLst>
+            <pc:docMk/>
+            <pc:sldMk cId="3142299172" sldId="288"/>
+            <ac:picMk id="4" creationId="{83DFAFA7-4664-4E48-9B71-6058A109AD46}"/>
+          </ac:picMkLst>
+        </pc:picChg>
+      </pc:sldChg>
+      <pc:sldChg chg="del">
+        <pc:chgData name="Sam Wagner" userId="S::samanthawagner@unomaha.edu::16297234-fb1c-49cd-ab2e-a70cbd0c939b" providerId="AD" clId="Web-{40E95D6C-5DB6-40CE-B915-9A11429FE331}" dt="2021-12-14T02:18:52.259" v="51"/>
+        <pc:sldMkLst>
+          <pc:docMk/>
+          <pc:sldMk cId="3854946920" sldId="292"/>
+        </pc:sldMkLst>
+      </pc:sldChg>
+      <pc:sldChg chg="delSp ord">
+        <pc:chgData name="Sam Wagner" userId="S::samanthawagner@unomaha.edu::16297234-fb1c-49cd-ab2e-a70cbd0c939b" providerId="AD" clId="Web-{40E95D6C-5DB6-40CE-B915-9A11429FE331}" dt="2021-12-14T02:24:55.276" v="160"/>
+        <pc:sldMkLst>
+          <pc:docMk/>
+          <pc:sldMk cId="1073521535" sldId="301"/>
+        </pc:sldMkLst>
+        <pc:picChg chg="del">
+          <ac:chgData name="Sam Wagner" userId="S::samanthawagner@unomaha.edu::16297234-fb1c-49cd-ab2e-a70cbd0c939b" providerId="AD" clId="Web-{40E95D6C-5DB6-40CE-B915-9A11429FE331}" dt="2021-12-14T02:24:55.276" v="160"/>
+          <ac:picMkLst>
+            <pc:docMk/>
+            <pc:sldMk cId="1073521535" sldId="301"/>
+            <ac:picMk id="5" creationId="{0B7F5430-DB12-4831-9D70-4D10D29FD9C4}"/>
+          </ac:picMkLst>
+        </pc:picChg>
+      </pc:sldChg>
+      <pc:sldChg chg="addSp modSp del">
+        <pc:chgData name="Sam Wagner" userId="S::samanthawagner@unomaha.edu::16297234-fb1c-49cd-ab2e-a70cbd0c939b" providerId="AD" clId="Web-{40E95D6C-5DB6-40CE-B915-9A11429FE331}" dt="2021-12-14T02:24:26.214" v="155"/>
+        <pc:sldMkLst>
+          <pc:docMk/>
+          <pc:sldMk cId="916843013" sldId="302"/>
+        </pc:sldMkLst>
+        <pc:spChg chg="add mod">
+          <ac:chgData name="Sam Wagner" userId="S::samanthawagner@unomaha.edu::16297234-fb1c-49cd-ab2e-a70cbd0c939b" providerId="AD" clId="Web-{40E95D6C-5DB6-40CE-B915-9A11429FE331}" dt="2021-12-14T02:22:59.463" v="141" actId="20577"/>
+          <ac:spMkLst>
+            <pc:docMk/>
+            <pc:sldMk cId="916843013" sldId="302"/>
+            <ac:spMk id="3" creationId="{EED8C3EA-F459-4230-9301-F3A904931F00}"/>
+          </ac:spMkLst>
+        </pc:spChg>
+        <pc:picChg chg="mod">
+          <ac:chgData name="Sam Wagner" userId="S::samanthawagner@unomaha.edu::16297234-fb1c-49cd-ab2e-a70cbd0c939b" providerId="AD" clId="Web-{40E95D6C-5DB6-40CE-B915-9A11429FE331}" dt="2021-12-14T02:23:07.620" v="144" actId="1076"/>
+          <ac:picMkLst>
+            <pc:docMk/>
+            <pc:sldMk cId="916843013" sldId="302"/>
+            <ac:picMk id="5" creationId="{0B7F5430-DB12-4831-9D70-4D10D29FD9C4}"/>
+          </ac:picMkLst>
+        </pc:picChg>
+      </pc:sldChg>
+      <pc:sldChg chg="addSp delSp modSp ord">
+        <pc:chgData name="Sam Wagner" userId="S::samanthawagner@unomaha.edu::16297234-fb1c-49cd-ab2e-a70cbd0c939b" providerId="AD" clId="Web-{40E95D6C-5DB6-40CE-B915-9A11429FE331}" dt="2021-12-14T02:24:50.745" v="159" actId="20577"/>
+        <pc:sldMkLst>
+          <pc:docMk/>
+          <pc:sldMk cId="988239217" sldId="303"/>
+        </pc:sldMkLst>
+        <pc:spChg chg="add">
+          <ac:chgData name="Sam Wagner" userId="S::samanthawagner@unomaha.edu::16297234-fb1c-49cd-ab2e-a70cbd0c939b" providerId="AD" clId="Web-{40E95D6C-5DB6-40CE-B915-9A11429FE331}" dt="2021-12-14T02:14:45.055" v="33"/>
+          <ac:spMkLst>
+            <pc:docMk/>
+            <pc:sldMk cId="988239217" sldId="303"/>
+            <ac:spMk id="3" creationId="{11C84A0D-BA5E-4BD3-B6E9-A8F411EC10E9}"/>
+          </ac:spMkLst>
+        </pc:spChg>
+        <pc:spChg chg="add mod">
+          <ac:chgData name="Sam Wagner" userId="S::samanthawagner@unomaha.edu::16297234-fb1c-49cd-ab2e-a70cbd0c939b" providerId="AD" clId="Web-{40E95D6C-5DB6-40CE-B915-9A11429FE331}" dt="2021-12-14T02:24:50.745" v="159" actId="20577"/>
+          <ac:spMkLst>
+            <pc:docMk/>
+            <pc:sldMk cId="988239217" sldId="303"/>
+            <ac:spMk id="5" creationId="{89894F47-78AF-4D0A-BF8B-8B79C57FF7B9}"/>
+          </ac:spMkLst>
+        </pc:spChg>
+        <pc:spChg chg="add del mod">
+          <ac:chgData name="Sam Wagner" userId="S::samanthawagner@unomaha.edu::16297234-fb1c-49cd-ab2e-a70cbd0c939b" providerId="AD" clId="Web-{40E95D6C-5DB6-40CE-B915-9A11429FE331}" dt="2021-12-14T02:15:42.680" v="42"/>
+          <ac:spMkLst>
+            <pc:docMk/>
+            <pc:sldMk cId="988239217" sldId="303"/>
+            <ac:spMk id="6" creationId="{332275C1-D574-4F97-8BE9-AFA393ECEDE0}"/>
+          </ac:spMkLst>
+        </pc:spChg>
+        <pc:spChg chg="add del">
+          <ac:chgData name="Sam Wagner" userId="S::samanthawagner@unomaha.edu::16297234-fb1c-49cd-ab2e-a70cbd0c939b" providerId="AD" clId="Web-{40E95D6C-5DB6-40CE-B915-9A11429FE331}" dt="2021-12-14T02:15:37.055" v="40"/>
+          <ac:spMkLst>
+            <pc:docMk/>
+            <pc:sldMk cId="988239217" sldId="303"/>
+            <ac:spMk id="7" creationId="{E411B13D-862D-48F9-965A-7DCB5E12F61C}"/>
+          </ac:spMkLst>
+        </pc:spChg>
+        <pc:picChg chg="mod">
+          <ac:chgData name="Sam Wagner" userId="S::samanthawagner@unomaha.edu::16297234-fb1c-49cd-ab2e-a70cbd0c939b" providerId="AD" clId="Web-{40E95D6C-5DB6-40CE-B915-9A11429FE331}" dt="2021-12-14T02:14:40.992" v="32" actId="1076"/>
+          <ac:picMkLst>
+            <pc:docMk/>
+            <pc:sldMk cId="988239217" sldId="303"/>
+            <ac:picMk id="4" creationId="{8E7E0A41-E67E-44D2-A675-FFD29884CB71}"/>
+          </ac:picMkLst>
+        </pc:picChg>
+      </pc:sldChg>
+      <pc:sldChg chg="addSp delSp modSp add replId">
+        <pc:chgData name="Sam Wagner" userId="S::samanthawagner@unomaha.edu::16297234-fb1c-49cd-ab2e-a70cbd0c939b" providerId="AD" clId="Web-{40E95D6C-5DB6-40CE-B915-9A11429FE331}" dt="2021-12-14T02:23:59.635" v="151" actId="20577"/>
+        <pc:sldMkLst>
+          <pc:docMk/>
+          <pc:sldMk cId="3690917875" sldId="304"/>
+        </pc:sldMkLst>
+        <pc:spChg chg="mod">
+          <ac:chgData name="Sam Wagner" userId="S::samanthawagner@unomaha.edu::16297234-fb1c-49cd-ab2e-a70cbd0c939b" providerId="AD" clId="Web-{40E95D6C-5DB6-40CE-B915-9A11429FE331}" dt="2021-12-14T02:23:59.635" v="151" actId="20577"/>
+          <ac:spMkLst>
+            <pc:docMk/>
+            <pc:sldMk cId="3690917875" sldId="304"/>
+            <ac:spMk id="9" creationId="{9ED261F0-F2B3-4340-996D-BD6E6E6815AE}"/>
+          </ac:spMkLst>
+        </pc:spChg>
+        <pc:picChg chg="add mod">
+          <ac:chgData name="Sam Wagner" userId="S::samanthawagner@unomaha.edu::16297234-fb1c-49cd-ab2e-a70cbd0c939b" providerId="AD" clId="Web-{40E95D6C-5DB6-40CE-B915-9A11429FE331}" dt="2021-12-14T02:23:48.745" v="148" actId="1076"/>
+          <ac:picMkLst>
+            <pc:docMk/>
+            <pc:sldMk cId="3690917875" sldId="304"/>
+            <ac:picMk id="3" creationId="{F2F69BAE-40A9-4086-A197-172197D8E6ED}"/>
+          </ac:picMkLst>
+        </pc:picChg>
+        <pc:picChg chg="del">
+          <ac:chgData name="Sam Wagner" userId="S::samanthawagner@unomaha.edu::16297234-fb1c-49cd-ab2e-a70cbd0c939b" providerId="AD" clId="Web-{40E95D6C-5DB6-40CE-B915-9A11429FE331}" dt="2021-12-14T02:23:46.151" v="147"/>
+          <ac:picMkLst>
+            <pc:docMk/>
+            <pc:sldMk cId="3690917875" sldId="304"/>
+            <ac:picMk id="4" creationId="{171D6054-E31C-4F93-9B54-1667844C323B}"/>
+          </ac:picMkLst>
+        </pc:picChg>
+      </pc:sldChg>
+      <pc:sldChg chg="addSp delSp modSp add del ord replId">
+        <pc:chgData name="Sam Wagner" userId="S::samanthawagner@unomaha.edu::16297234-fb1c-49cd-ab2e-a70cbd0c939b" providerId="AD" clId="Web-{40E95D6C-5DB6-40CE-B915-9A11429FE331}" dt="2021-12-14T02:16:53.618" v="50"/>
+        <pc:sldMkLst>
+          <pc:docMk/>
+          <pc:sldMk cId="4058285459" sldId="304"/>
+        </pc:sldMkLst>
+        <pc:spChg chg="add mod">
+          <ac:chgData name="Sam Wagner" userId="S::samanthawagner@unomaha.edu::16297234-fb1c-49cd-ab2e-a70cbd0c939b" providerId="AD" clId="Web-{40E95D6C-5DB6-40CE-B915-9A11429FE331}" dt="2021-12-14T02:14:09.867" v="30" actId="20577"/>
+          <ac:spMkLst>
+            <pc:docMk/>
+            <pc:sldMk cId="4058285459" sldId="304"/>
+            <ac:spMk id="3" creationId="{1FD16183-6468-4A1A-8B27-DBD130BB9708}"/>
+          </ac:spMkLst>
+        </pc:spChg>
+        <pc:picChg chg="del">
+          <ac:chgData name="Sam Wagner" userId="S::samanthawagner@unomaha.edu::16297234-fb1c-49cd-ab2e-a70cbd0c939b" providerId="AD" clId="Web-{40E95D6C-5DB6-40CE-B915-9A11429FE331}" dt="2021-12-14T02:13:06.023" v="3"/>
+          <ac:picMkLst>
+            <pc:docMk/>
+            <pc:sldMk cId="4058285459" sldId="304"/>
+            <ac:picMk id="5" creationId="{0B7F5430-DB12-4831-9D70-4D10D29FD9C4}"/>
+          </ac:picMkLst>
+        </pc:picChg>
+      </pc:sldChg>
+      <pc:sldChg chg="addSp delSp modSp add replId">
+        <pc:chgData name="Sam Wagner" userId="S::samanthawagner@unomaha.edu::16297234-fb1c-49cd-ab2e-a70cbd0c939b" providerId="AD" clId="Web-{40E95D6C-5DB6-40CE-B915-9A11429FE331}" dt="2021-12-14T02:25:26.839" v="172" actId="1076"/>
+        <pc:sldMkLst>
+          <pc:docMk/>
+          <pc:sldMk cId="110576765" sldId="305"/>
+        </pc:sldMkLst>
+        <pc:picChg chg="del">
+          <ac:chgData name="Sam Wagner" userId="S::samanthawagner@unomaha.edu::16297234-fb1c-49cd-ab2e-a70cbd0c939b" providerId="AD" clId="Web-{40E95D6C-5DB6-40CE-B915-9A11429FE331}" dt="2021-12-14T02:25:05.276" v="162"/>
+          <ac:picMkLst>
+            <pc:docMk/>
+            <pc:sldMk cId="110576765" sldId="305"/>
+            <ac:picMk id="3" creationId="{F2F69BAE-40A9-4086-A197-172197D8E6ED}"/>
+          </ac:picMkLst>
+        </pc:picChg>
+        <pc:picChg chg="add del mod">
+          <ac:chgData name="Sam Wagner" userId="S::samanthawagner@unomaha.edu::16297234-fb1c-49cd-ab2e-a70cbd0c939b" providerId="AD" clId="Web-{40E95D6C-5DB6-40CE-B915-9A11429FE331}" dt="2021-12-14T02:25:26.839" v="172" actId="1076"/>
+          <ac:picMkLst>
+            <pc:docMk/>
+            <pc:sldMk cId="110576765" sldId="305"/>
+            <ac:picMk id="4" creationId="{ADAACC1A-6D6C-457E-A868-BE60CA8ADF49}"/>
+          </ac:picMkLst>
+        </pc:picChg>
+      </pc:sldChg>
+      <pc:sldChg chg="new del">
+        <pc:chgData name="Sam Wagner" userId="S::samanthawagner@unomaha.edu::16297234-fb1c-49cd-ab2e-a70cbd0c939b" providerId="AD" clId="Web-{40E95D6C-5DB6-40CE-B915-9A11429FE331}" dt="2021-12-14T02:15:09.836" v="35"/>
+        <pc:sldMkLst>
+          <pc:docMk/>
+          <pc:sldMk cId="2554028201" sldId="305"/>
+        </pc:sldMkLst>
       </pc:sldChg>
     </pc:docChg>
   </pc:docChgLst>
@@ -1271,7 +1296,7 @@
   <pc:docChgLst>
     <pc:chgData name="Sam Wagner" userId="16297234-fb1c-49cd-ab2e-a70cbd0c939b" providerId="ADAL" clId="{1357DE78-8A2B-4D21-A1B2-6E032AD1BF4D}"/>
     <pc:docChg chg="undo custSel addSld delSld modSld">
-      <pc:chgData name="Sam Wagner" userId="16297234-fb1c-49cd-ab2e-a70cbd0c939b" providerId="ADAL" clId="{1357DE78-8A2B-4D21-A1B2-6E032AD1BF4D}" dt="2021-12-14T02:52:32.392" v="2383" actId="26606"/>
+      <pc:chgData name="Sam Wagner" userId="16297234-fb1c-49cd-ab2e-a70cbd0c939b" providerId="ADAL" clId="{1357DE78-8A2B-4D21-A1B2-6E032AD1BF4D}" dt="2021-12-14T03:18:55.382" v="2403"/>
       <pc:docMkLst>
         <pc:docMk/>
       </pc:docMkLst>
@@ -2153,6 +2178,21 @@
             <ac:cxnSpMk id="25" creationId="{E04A321A-A039-4720-87B4-66A4210E0D57}"/>
           </ac:cxnSpMkLst>
         </pc:cxnChg>
+      </pc:sldChg>
+      <pc:sldChg chg="modSp mod">
+        <pc:chgData name="Sam Wagner" userId="16297234-fb1c-49cd-ab2e-a70cbd0c939b" providerId="ADAL" clId="{1357DE78-8A2B-4D21-A1B2-6E032AD1BF4D}" dt="2021-12-14T03:18:55.382" v="2403"/>
+        <pc:sldMkLst>
+          <pc:docMk/>
+          <pc:sldMk cId="3736161039" sldId="298"/>
+        </pc:sldMkLst>
+        <pc:spChg chg="mod">
+          <ac:chgData name="Sam Wagner" userId="16297234-fb1c-49cd-ab2e-a70cbd0c939b" providerId="ADAL" clId="{1357DE78-8A2B-4D21-A1B2-6E032AD1BF4D}" dt="2021-12-14T03:18:55.382" v="2403"/>
+          <ac:spMkLst>
+            <pc:docMk/>
+            <pc:sldMk cId="3736161039" sldId="298"/>
+            <ac:spMk id="3" creationId="{785AE07D-EFFC-4FFB-A9B6-15773EDE24BA}"/>
+          </ac:spMkLst>
+        </pc:spChg>
       </pc:sldChg>
       <pc:sldChg chg="del">
         <pc:chgData name="Sam Wagner" userId="16297234-fb1c-49cd-ab2e-a70cbd0c939b" providerId="ADAL" clId="{1357DE78-8A2B-4D21-A1B2-6E032AD1BF4D}" dt="2021-12-14T02:43:54.656" v="2359" actId="2696"/>
@@ -2530,7 +2570,7 @@
   <pc:docChgLst>
     <pc:chgData name="Jeremy James" userId="f0b32515-f789-4db6-acc0-88c5674fce5a" providerId="ADAL" clId="{AC553246-25BA-4A16-993B-0F74363872E4}"/>
     <pc:docChg chg="undo redo custSel addSld modSld">
-      <pc:chgData name="Jeremy James" userId="f0b32515-f789-4db6-acc0-88c5674fce5a" providerId="ADAL" clId="{AC553246-25BA-4A16-993B-0F74363872E4}" dt="2021-12-14T02:58:39.124" v="325" actId="313"/>
+      <pc:chgData name="Jeremy James" userId="f0b32515-f789-4db6-acc0-88c5674fce5a" providerId="ADAL" clId="{AC553246-25BA-4A16-993B-0F74363872E4}" dt="2021-12-14T03:18:12.288" v="511" actId="20577"/>
       <pc:docMkLst>
         <pc:docMk/>
       </pc:docMkLst>
@@ -2571,6 +2611,21 @@
             <ac:spMk id="13" creationId="{82D206D7-AB56-4685-A06A-3F25ADA06F1E}"/>
           </ac:spMkLst>
         </pc:spChg>
+      </pc:sldChg>
+      <pc:sldChg chg="modSp">
+        <pc:chgData name="Jeremy James" userId="f0b32515-f789-4db6-acc0-88c5674fce5a" providerId="ADAL" clId="{AC553246-25BA-4A16-993B-0F74363872E4}" dt="2021-12-14T03:10:27.422" v="396" actId="20577"/>
+        <pc:sldMkLst>
+          <pc:docMk/>
+          <pc:sldMk cId="3588404378" sldId="291"/>
+        </pc:sldMkLst>
+        <pc:graphicFrameChg chg="mod">
+          <ac:chgData name="Jeremy James" userId="f0b32515-f789-4db6-acc0-88c5674fce5a" providerId="ADAL" clId="{AC553246-25BA-4A16-993B-0F74363872E4}" dt="2021-12-14T03:10:27.422" v="396" actId="20577"/>
+          <ac:graphicFrameMkLst>
+            <pc:docMk/>
+            <pc:sldMk cId="3588404378" sldId="291"/>
+            <ac:graphicFrameMk id="5" creationId="{7DB6FA4A-E82A-4C28-AEAD-BF383E90F160}"/>
+          </ac:graphicFrameMkLst>
+        </pc:graphicFrameChg>
       </pc:sldChg>
       <pc:sldChg chg="mod">
         <pc:chgData name="Jeremy James" userId="f0b32515-f789-4db6-acc0-88c5674fce5a" providerId="ADAL" clId="{AC553246-25BA-4A16-993B-0F74363872E4}" dt="2021-12-13T02:28:59.331" v="1" actId="27918"/>
@@ -2594,6 +2649,21 @@
           </ac:spMkLst>
         </pc:spChg>
       </pc:sldChg>
+      <pc:sldChg chg="modSp mod">
+        <pc:chgData name="Jeremy James" userId="f0b32515-f789-4db6-acc0-88c5674fce5a" providerId="ADAL" clId="{AC553246-25BA-4A16-993B-0F74363872E4}" dt="2021-12-14T03:18:12.288" v="511" actId="20577"/>
+        <pc:sldMkLst>
+          <pc:docMk/>
+          <pc:sldMk cId="3736161039" sldId="298"/>
+        </pc:sldMkLst>
+        <pc:spChg chg="mod">
+          <ac:chgData name="Jeremy James" userId="f0b32515-f789-4db6-acc0-88c5674fce5a" providerId="ADAL" clId="{AC553246-25BA-4A16-993B-0F74363872E4}" dt="2021-12-14T03:18:12.288" v="511" actId="20577"/>
+          <ac:spMkLst>
+            <pc:docMk/>
+            <pc:sldMk cId="3736161039" sldId="298"/>
+            <ac:spMk id="3" creationId="{785AE07D-EFFC-4FFB-A9B6-15773EDE24BA}"/>
+          </ac:spMkLst>
+        </pc:spChg>
+      </pc:sldChg>
       <pc:sldChg chg="modSp">
         <pc:chgData name="Jeremy James" userId="f0b32515-f789-4db6-acc0-88c5674fce5a" providerId="ADAL" clId="{AC553246-25BA-4A16-993B-0F74363872E4}" dt="2021-12-13T02:37:45.758" v="2" actId="20578"/>
         <pc:sldMkLst>
@@ -2633,7 +2703,7 @@
         </pc:spChg>
       </pc:sldChg>
       <pc:sldChg chg="addSp delSp modSp mod">
-        <pc:chgData name="Jeremy James" userId="f0b32515-f789-4db6-acc0-88c5674fce5a" providerId="ADAL" clId="{AC553246-25BA-4A16-993B-0F74363872E4}" dt="2021-12-14T02:50:53.105" v="321" actId="1076"/>
+        <pc:chgData name="Jeremy James" userId="f0b32515-f789-4db6-acc0-88c5674fce5a" providerId="ADAL" clId="{AC553246-25BA-4A16-993B-0F74363872E4}" dt="2021-12-14T03:12:17.112" v="447" actId="5793"/>
         <pc:sldMkLst>
           <pc:docMk/>
           <pc:sldMk cId="3690917875" sldId="304"/>
@@ -2647,7 +2717,7 @@
           </ac:spMkLst>
         </pc:spChg>
         <pc:spChg chg="mod">
-          <ac:chgData name="Jeremy James" userId="f0b32515-f789-4db6-acc0-88c5674fce5a" providerId="ADAL" clId="{AC553246-25BA-4A16-993B-0F74363872E4}" dt="2021-12-14T02:44:34.670" v="275" actId="20577"/>
+          <ac:chgData name="Jeremy James" userId="f0b32515-f789-4db6-acc0-88c5674fce5a" providerId="ADAL" clId="{AC553246-25BA-4A16-993B-0F74363872E4}" dt="2021-12-14T03:12:17.112" v="447" actId="5793"/>
           <ac:spMkLst>
             <pc:docMk/>
             <pc:sldMk cId="3690917875" sldId="304"/>
@@ -2672,7 +2742,7 @@
         </pc:picChg>
       </pc:sldChg>
       <pc:sldChg chg="addSp delSp modSp mod">
-        <pc:chgData name="Jeremy James" userId="f0b32515-f789-4db6-acc0-88c5674fce5a" providerId="ADAL" clId="{AC553246-25BA-4A16-993B-0F74363872E4}" dt="2021-12-14T02:42:54.798" v="257" actId="20577"/>
+        <pc:chgData name="Jeremy James" userId="f0b32515-f789-4db6-acc0-88c5674fce5a" providerId="ADAL" clId="{AC553246-25BA-4A16-993B-0F74363872E4}" dt="2021-12-14T03:12:45.062" v="479" actId="20577"/>
         <pc:sldMkLst>
           <pc:docMk/>
           <pc:sldMk cId="110576765" sldId="305"/>
@@ -2686,7 +2756,7 @@
           </ac:spMkLst>
         </pc:spChg>
         <pc:spChg chg="mod">
-          <ac:chgData name="Jeremy James" userId="f0b32515-f789-4db6-acc0-88c5674fce5a" providerId="ADAL" clId="{AC553246-25BA-4A16-993B-0F74363872E4}" dt="2021-12-14T02:42:54.798" v="257" actId="20577"/>
+          <ac:chgData name="Jeremy James" userId="f0b32515-f789-4db6-acc0-88c5674fce5a" providerId="ADAL" clId="{AC553246-25BA-4A16-993B-0F74363872E4}" dt="2021-12-14T03:12:45.062" v="479" actId="20577"/>
           <ac:spMkLst>
             <pc:docMk/>
             <pc:sldMk cId="110576765" sldId="305"/>
@@ -2703,13 +2773,13 @@
         </pc:picChg>
       </pc:sldChg>
       <pc:sldChg chg="modSp mod">
-        <pc:chgData name="Jeremy James" userId="f0b32515-f789-4db6-acc0-88c5674fce5a" providerId="ADAL" clId="{AC553246-25BA-4A16-993B-0F74363872E4}" dt="2021-12-14T02:43:01.266" v="258"/>
+        <pc:chgData name="Jeremy James" userId="f0b32515-f789-4db6-acc0-88c5674fce5a" providerId="ADAL" clId="{AC553246-25BA-4A16-993B-0F74363872E4}" dt="2021-12-14T03:12:56.957" v="481"/>
         <pc:sldMkLst>
           <pc:docMk/>
           <pc:sldMk cId="2281156544" sldId="306"/>
         </pc:sldMkLst>
         <pc:spChg chg="mod">
-          <ac:chgData name="Jeremy James" userId="f0b32515-f789-4db6-acc0-88c5674fce5a" providerId="ADAL" clId="{AC553246-25BA-4A16-993B-0F74363872E4}" dt="2021-12-14T02:43:01.266" v="258"/>
+          <ac:chgData name="Jeremy James" userId="f0b32515-f789-4db6-acc0-88c5674fce5a" providerId="ADAL" clId="{AC553246-25BA-4A16-993B-0F74363872E4}" dt="2021-12-14T03:12:56.957" v="481"/>
           <ac:spMkLst>
             <pc:docMk/>
             <pc:sldMk cId="2281156544" sldId="306"/>
@@ -2718,11 +2788,19 @@
         </pc:spChg>
       </pc:sldChg>
       <pc:sldChg chg="modSp add mod">
-        <pc:chgData name="Jeremy James" userId="f0b32515-f789-4db6-acc0-88c5674fce5a" providerId="ADAL" clId="{AC553246-25BA-4A16-993B-0F74363872E4}" dt="2021-12-14T02:55:55.640" v="323" actId="1076"/>
+        <pc:chgData name="Jeremy James" userId="f0b32515-f789-4db6-acc0-88c5674fce5a" providerId="ADAL" clId="{AC553246-25BA-4A16-993B-0F74363872E4}" dt="2021-12-14T03:12:26.542" v="451" actId="27636"/>
         <pc:sldMkLst>
           <pc:docMk/>
           <pc:sldMk cId="1355988468" sldId="307"/>
         </pc:sldMkLst>
+        <pc:spChg chg="mod">
+          <ac:chgData name="Jeremy James" userId="f0b32515-f789-4db6-acc0-88c5674fce5a" providerId="ADAL" clId="{AC553246-25BA-4A16-993B-0F74363872E4}" dt="2021-12-14T03:12:26.542" v="451" actId="27636"/>
+          <ac:spMkLst>
+            <pc:docMk/>
+            <pc:sldMk cId="1355988468" sldId="307"/>
+            <ac:spMk id="9" creationId="{9ED261F0-F2B3-4340-996D-BD6E6E6815AE}"/>
+          </ac:spMkLst>
+        </pc:spChg>
         <pc:picChg chg="mod">
           <ac:chgData name="Jeremy James" userId="f0b32515-f789-4db6-acc0-88c5674fce5a" providerId="ADAL" clId="{AC553246-25BA-4A16-993B-0F74363872E4}" dt="2021-12-14T02:55:55.640" v="323" actId="1076"/>
           <ac:picMkLst>
@@ -6356,15 +6434,8 @@
           </a:pPr>
           <a:r>
             <a:rPr lang="en-US"/>
-            <a:t>Addition of contextualizing data and/or engineering better data points from existing data points.</a:t>
+            <a:t>Cleaning/engineering data to enable better models</a:t>
           </a:r>
-          <a:r>
-            <a:rPr lang="en-US">
-              <a:latin typeface="Bookman Old Style" panose="020F0302020204030204"/>
-            </a:rPr>
-            <a:t> </a:t>
-          </a:r>
-          <a:endParaRPr lang="en-US"/>
         </a:p>
       </dgm:t>
     </dgm:pt>
@@ -6414,7 +6485,7 @@
           </a:r>
           <a:r>
             <a:rPr lang="en-US"/>
-            <a:t> the best practice for each model.</a:t>
+            <a:t> the best practice for each model</a:t>
           </a:r>
           <a:r>
             <a:rPr lang="en-US">
@@ -6464,7 +6535,7 @@
             <a:rPr lang="en-US">
               <a:latin typeface="Bookman Old Style" panose="020F0302020204030204"/>
             </a:rPr>
-            <a:t>Determining if claim mode should be considered in the data set, or if this would lead to over fitting. Ultimately, we left it out of the final model.</a:t>
+            <a:t>Determining if claimed/claimmode should be considered in the data set, or if this would lead to over fitting. Ultimately, we left it out of the final model.</a:t>
           </a:r>
         </a:p>
       </dgm:t>
@@ -7187,15 +7258,8 @@
           </a:pPr>
           <a:r>
             <a:rPr lang="en-US" sz="2000" kern="1200"/>
-            <a:t>Addition of contextualizing data and/or engineering better data points from existing data points.</a:t>
+            <a:t>Cleaning/engineering data to enable better models</a:t>
           </a:r>
-          <a:r>
-            <a:rPr lang="en-US" sz="2000" kern="1200">
-              <a:latin typeface="Bookman Old Style" panose="020F0302020204030204"/>
-            </a:rPr>
-            <a:t> </a:t>
-          </a:r>
-          <a:endParaRPr lang="en-US" sz="2000" kern="1200"/>
         </a:p>
       </dsp:txBody>
       <dsp:txXfrm>
@@ -7354,7 +7418,7 @@
           </a:r>
           <a:r>
             <a:rPr lang="en-US" sz="2000" kern="1200"/>
-            <a:t> the best practice for each model.</a:t>
+            <a:t> the best practice for each model</a:t>
           </a:r>
           <a:r>
             <a:rPr lang="en-US" sz="2000" kern="1200">
@@ -7675,7 +7739,7 @@
             <a:rPr lang="en-US" sz="2000" kern="1200">
               <a:latin typeface="Bookman Old Style" panose="020F0302020204030204"/>
             </a:rPr>
-            <a:t>Determining if claim mode should be considered in the data set, or if this would lead to over fitting. Ultimately, we left it out of the final model.</a:t>
+            <a:t>Determining if claimed/claimmode should be considered in the data set, or if this would lead to over fitting. Ultimately, we left it out of the final model.</a:t>
           </a:r>
         </a:p>
       </dsp:txBody>
@@ -14135,7 +14199,7 @@
         </p:spPr>
         <p:txBody>
           <a:bodyPr vert="horz" lIns="91440" tIns="45720" rIns="91440" bIns="45720" rtlCol="0">
-            <a:normAutofit/>
+            <a:normAutofit lnSpcReduction="10000"/>
           </a:bodyPr>
           <a:lstStyle/>
           <a:p>
@@ -14154,7 +14218,7 @@
                   </a:schemeClr>
                 </a:solidFill>
               </a:rPr>
-              <a:t>Examples of what relationships our random Forest model captured in the data</a:t>
+              <a:t>Examples of what relationships our random Forest model captured in the data. Using partial Dependence</a:t>
             </a:r>
           </a:p>
         </p:txBody>
@@ -14573,7 +14637,7 @@
         </p:spPr>
         <p:txBody>
           <a:bodyPr vert="horz" lIns="91440" tIns="45720" rIns="91440" bIns="45720" rtlCol="0">
-            <a:normAutofit/>
+            <a:normAutofit lnSpcReduction="10000"/>
           </a:bodyPr>
           <a:lstStyle/>
           <a:p>
@@ -14592,7 +14656,7 @@
                   </a:schemeClr>
                 </a:solidFill>
               </a:rPr>
-              <a:t>Examples of what relationships our random Forest model captured in the data</a:t>
+              <a:t>Examples of what relationships our random Forest model captured in the data. Using partial Dependence</a:t>
             </a:r>
           </a:p>
         </p:txBody>
@@ -15080,8 +15144,21 @@
                   <a:srgbClr val="FFFFFF"/>
                 </a:solidFill>
               </a:rPr>
-              <a:t>Prediction justification</a:t>
+              <a:t>Prediction justification using </a:t>
             </a:r>
+            <a:r>
+              <a:rPr lang="en-US" sz="1800" cap="all" spc="200" err="1">
+                <a:solidFill>
+                  <a:srgbClr val="FFFFFF"/>
+                </a:solidFill>
+              </a:rPr>
+              <a:t>shap</a:t>
+            </a:r>
+            <a:endParaRPr lang="en-US" sz="1800" cap="all" spc="200">
+              <a:solidFill>
+                <a:srgbClr val="FFFFFF"/>
+              </a:solidFill>
+            </a:endParaRPr>
           </a:p>
         </p:txBody>
       </p:sp>
@@ -15510,8 +15587,21 @@
                   <a:srgbClr val="FFFFFF"/>
                 </a:solidFill>
               </a:rPr>
-              <a:t>Prediction justification</a:t>
+              <a:t>Prediction justification using </a:t>
             </a:r>
+            <a:r>
+              <a:rPr lang="en-US" sz="1800" cap="all" spc="200" err="1">
+                <a:solidFill>
+                  <a:srgbClr val="FFFFFF"/>
+                </a:solidFill>
+              </a:rPr>
+              <a:t>shap</a:t>
+            </a:r>
+            <a:endParaRPr lang="en-US" sz="1800" cap="all" spc="200">
+              <a:solidFill>
+                <a:srgbClr val="FFFFFF"/>
+              </a:solidFill>
+            </a:endParaRPr>
           </a:p>
         </p:txBody>
       </p:sp>
@@ -15860,7 +15950,7 @@
             <p:ph idx="1"/>
             <p:extLst>
               <p:ext uri="{D42A27DB-BD31-4B8C-83A1-F6EECF244321}">
-                <p14:modId xmlns:p14="http://schemas.microsoft.com/office/powerpoint/2010/main" val="1592358858"/>
+                <p14:modId xmlns:p14="http://schemas.microsoft.com/office/powerpoint/2010/main" val="799893848"/>
               </p:ext>
             </p:extLst>
           </p:nvPr>
@@ -16350,8 +16440,8 @@
         </p:nvSpPr>
         <p:spPr>
           <a:xfrm>
-            <a:off x="1079138" y="2108201"/>
-            <a:ext cx="10058400" cy="3760891"/>
+            <a:off x="1079137" y="2108201"/>
+            <a:ext cx="10556393" cy="3760891"/>
           </a:xfrm>
         </p:spPr>
         <p:txBody>
@@ -16359,6 +16449,78 @@
             <a:normAutofit/>
           </a:bodyPr>
           <a:lstStyle/>
+          <a:p>
+            <a:pPr marL="0" indent="0">
+              <a:buNone/>
+            </a:pPr>
+            <a:r>
+              <a:rPr lang="en-US" err="1">
+                <a:solidFill>
+                  <a:srgbClr val="000000"/>
+                </a:solidFill>
+                <a:effectLst/>
+              </a:rPr>
+              <a:t>InterpretML</a:t>
+            </a:r>
+            <a:r>
+              <a:rPr lang="en-US">
+                <a:solidFill>
+                  <a:srgbClr val="000000"/>
+                </a:solidFill>
+                <a:effectLst/>
+              </a:rPr>
+              <a:t>. Accessed 14 December 2021. </a:t>
+            </a:r>
+            <a:r>
+              <a:rPr lang="en-US">
+                <a:solidFill>
+                  <a:srgbClr val="000000"/>
+                </a:solidFill>
+                <a:effectLst/>
+                <a:hlinkClick r:id="rId2"/>
+              </a:rPr>
+              <a:t>https://interpret.ml/</a:t>
+            </a:r>
+            <a:r>
+              <a:rPr lang="en-US">
+                <a:solidFill>
+                  <a:srgbClr val="000000"/>
+                </a:solidFill>
+                <a:effectLst/>
+              </a:rPr>
+              <a:t>.</a:t>
+            </a:r>
+            <a:endParaRPr lang="en-US">
+              <a:ea typeface="+mn-lt"/>
+              <a:cs typeface="+mn-lt"/>
+            </a:endParaRPr>
+          </a:p>
+          <a:p>
+            <a:pPr marL="0" indent="0">
+              <a:buNone/>
+            </a:pPr>
+            <a:r>
+              <a:rPr lang="en-US">
+                <a:solidFill>
+                  <a:srgbClr val="000000"/>
+                </a:solidFill>
+              </a:rPr>
+              <a:t>s</a:t>
+            </a:r>
+            <a:r>
+              <a:rPr lang="en-US">
+                <a:solidFill>
+                  <a:srgbClr val="000000"/>
+                </a:solidFill>
+                <a:effectLst/>
+              </a:rPr>
+              <a:t>cikit-learn. Accessed 14 December 2021. https://scikit-learn.org.</a:t>
+            </a:r>
+            <a:endParaRPr lang="en-US">
+              <a:ea typeface="+mn-lt"/>
+              <a:cs typeface="+mn-lt"/>
+            </a:endParaRPr>
+          </a:p>
           <a:p>
             <a:pPr marL="0" indent="0">
               <a:buNone/>
@@ -16382,23 +16544,60 @@
                 <a:ea typeface="+mn-lt"/>
                 <a:cs typeface="+mn-lt"/>
               </a:rPr>
-              <a:t>-</a:t>
-            </a:r>
-            <a:r>
-              <a:rPr lang="en-US" err="1">
-                <a:ea typeface="+mn-lt"/>
-                <a:cs typeface="+mn-lt"/>
-              </a:rPr>
-              <a:t>i</a:t>
+              <a:t>-i-Taliban Pakistan.” Stanford University. Last modified July  2018. </a:t>
             </a:r>
             <a:r>
               <a:rPr lang="en-US">
                 <a:ea typeface="+mn-lt"/>
                 <a:cs typeface="+mn-lt"/>
+                <a:hlinkClick r:id="rId3"/>
               </a:rPr>
-              <a:t>-Taliban Pakistan.” Stanford University. Last modified July            2018. https://cisac.fsi.stanford.edu/mappingmilitants/profiles/tehrik-i-taliban-pakistan</a:t>
+              <a:t>https://cisac.fsi.stanford.edu/mappingmilitants/profiles/tehrik-i-taliban-pakistan</a:t>
             </a:r>
-            <a:endParaRPr lang="en-US"/>
+            <a:endParaRPr lang="en-US">
+              <a:ea typeface="+mn-lt"/>
+              <a:cs typeface="+mn-lt"/>
+            </a:endParaRPr>
+          </a:p>
+          <a:p>
+            <a:pPr marL="0" indent="0">
+              <a:buNone/>
+            </a:pPr>
+            <a:r>
+              <a:rPr lang="en-US" b="0" i="1">
+                <a:solidFill>
+                  <a:srgbClr val="242424"/>
+                </a:solidFill>
+                <a:effectLst/>
+                <a:latin typeface="Segoe UI" panose="020B0502040204020203" pitchFamily="34" charset="0"/>
+              </a:rPr>
+              <a:t>Algorithms and terrorism</a:t>
+            </a:r>
+            <a:r>
+              <a:rPr lang="en-US" b="0" i="0">
+                <a:solidFill>
+                  <a:srgbClr val="242424"/>
+                </a:solidFill>
+                <a:effectLst/>
+                <a:latin typeface="Segoe UI" panose="020B0502040204020203" pitchFamily="34" charset="0"/>
+              </a:rPr>
+              <a:t>. (n.d.). Retrieved December 14, 2021, from </a:t>
+            </a:r>
+            <a:r>
+              <a:rPr lang="en-US" b="0" i="0" u="none" strike="noStrike">
+                <a:solidFill>
+                  <a:srgbClr val="6264A7"/>
+                </a:solidFill>
+                <a:effectLst/>
+                <a:latin typeface="Segoe UI" panose="020B0502040204020203" pitchFamily="34" charset="0"/>
+                <a:hlinkClick r:id="rId4" tooltip="https://www.un.org/counterterrorism/sites/www.un.org.counterterrorism/files/malicious-use-of-ai-uncct-unicri-report-hd.pdf."/>
+              </a:rPr>
+              <a:t>https://www.un.org/counterterrorism/sites/www.un.org.counterterrorism/files/malicious-use-of-ai-uncct-unicri-report-hd.pdf.</a:t>
+            </a:r>
+            <a:endParaRPr lang="en-US">
+              <a:ea typeface="+mn-lt"/>
+              <a:cs typeface="+mn-lt"/>
+            </a:endParaRPr>
           </a:p>
         </p:txBody>
       </p:sp>
@@ -17558,7 +17757,7 @@
           </a:xfrm>
         </p:spPr>
         <p:txBody>
-          <a:bodyPr vert="horz" lIns="0" tIns="45720" rIns="0" bIns="45720" rtlCol="0">
+          <a:bodyPr vert="horz" lIns="0" tIns="45720" rIns="0" bIns="45720" rtlCol="0" anchor="t">
             <a:normAutofit/>
           </a:bodyPr>
           <a:lstStyle/>
@@ -17572,7 +17771,7 @@
               <a:t>The </a:t>
             </a:r>
             <a:r>
-              <a:rPr lang="en-US" err="1">
+              <a:rPr lang="en-US">
                 <a:hlinkClick r:id="rId2"/>
               </a:rPr>
               <a:t>SweetViz</a:t>
@@ -17583,7 +17782,7 @@
             </a:r>
           </a:p>
           <a:p>
-            <a:pPr lvl="1">
+            <a:pPr marL="383540" lvl="1">
               <a:buFont typeface="Courier New" panose="020F0502020204030204" pitchFamily="34" charset="0"/>
               <a:buChar char="o"/>
             </a:pPr>
@@ -17593,44 +17792,74 @@
             </a:r>
           </a:p>
           <a:p>
-            <a:pPr lvl="1">
+            <a:pPr marL="383540" lvl="1">
               <a:buFont typeface="Courier New" panose="020F0502020204030204" pitchFamily="34" charset="0"/>
               <a:buChar char="o"/>
             </a:pPr>
             <a:r>
-              <a:rPr lang="en-US"/>
-              <a:t>POINT TWO </a:t>
+              <a:rPr lang="en-US">
+                <a:ea typeface="+mn-lt"/>
+                <a:cs typeface="+mn-lt"/>
+              </a:rPr>
+              <a:t>Year 2012-2014 had the most attacks</a:t>
             </a:r>
+            <a:endParaRPr lang="en-US"/>
           </a:p>
           <a:p>
-            <a:pPr lvl="1">
+            <a:pPr marL="383540" lvl="1">
               <a:buFont typeface="Courier New" panose="020F0502020204030204" pitchFamily="34" charset="0"/>
               <a:buChar char="o"/>
             </a:pPr>
             <a:r>
-              <a:rPr lang="en-US"/>
-              <a:t>POINT THREE</a:t>
+              <a:rPr lang="en-US">
+                <a:ea typeface="+mn-lt"/>
+                <a:cs typeface="+mn-lt"/>
+              </a:rPr>
+              <a:t>Most of the attacks happened in Karachi, Quetta and Peshawar</a:t>
             </a:r>
+            <a:endParaRPr lang="en-US"/>
           </a:p>
           <a:p>
-            <a:pPr lvl="1">
+            <a:pPr marL="383540" lvl="1">
               <a:buFont typeface="Courier New" panose="020F0502020204030204" pitchFamily="34" charset="0"/>
               <a:buChar char="o"/>
             </a:pPr>
             <a:r>
-              <a:rPr lang="en-US"/>
-              <a:t>POINT FOUR</a:t>
+              <a:rPr lang="en-US">
+                <a:ea typeface="+mn-lt"/>
+                <a:cs typeface="+mn-lt"/>
+              </a:rPr>
+              <a:t>If it is NGO, 100% chance that it is TTP</a:t>
             </a:r>
+            <a:endParaRPr lang="en-US"/>
           </a:p>
           <a:p>
-            <a:pPr lvl="1">
+            <a:pPr marL="383540" lvl="1">
               <a:buFont typeface="Courier New" panose="020F0502020204030204" pitchFamily="34" charset="0"/>
               <a:buChar char="o"/>
             </a:pPr>
             <a:r>
-              <a:rPr lang="en-US"/>
-              <a:t>POINT FIVE</a:t>
+              <a:rPr lang="en-US">
+                <a:ea typeface="+mn-lt"/>
+                <a:cs typeface="+mn-lt"/>
+              </a:rPr>
+              <a:t>69% Likely to carry out suicide attacks</a:t>
             </a:r>
+            <a:endParaRPr lang="en-US"/>
+          </a:p>
+          <a:p>
+            <a:pPr marL="383540" lvl="1">
+              <a:buFont typeface="Courier New" panose="020F0502020204030204" pitchFamily="34" charset="0"/>
+              <a:buChar char="o"/>
+            </a:pPr>
+            <a:r>
+              <a:rPr lang="en-US">
+                <a:ea typeface="+mn-lt"/>
+                <a:cs typeface="+mn-lt"/>
+              </a:rPr>
+              <a:t>38% likely to claim an attack</a:t>
+            </a:r>
+            <a:endParaRPr lang="en-US"/>
           </a:p>
           <a:p>
             <a:endParaRPr lang="en-US"/>

--- a/Final Presentation.pptx
+++ b/Final Presentation.pptx
@@ -625,6 +625,38 @@
     </pc:docChg>
   </pc:docChgLst>
   <pc:docChgLst>
+    <pc:chgData name="Sam Wagner" userId="S::samanthawagner@unomaha.edu::16297234-fb1c-49cd-ab2e-a70cbd0c939b" providerId="AD" clId="Web-{4D929B99-296D-4D51-BFC8-D1D89556A194}"/>
+    <pc:docChg chg="addSld modSld">
+      <pc:chgData name="Sam Wagner" userId="S::samanthawagner@unomaha.edu::16297234-fb1c-49cd-ab2e-a70cbd0c939b" providerId="AD" clId="Web-{4D929B99-296D-4D51-BFC8-D1D89556A194}" dt="2021-12-11T19:36:17.978" v="26" actId="20577"/>
+      <pc:docMkLst>
+        <pc:docMk/>
+      </pc:docMkLst>
+      <pc:sldChg chg="modSp new">
+        <pc:chgData name="Sam Wagner" userId="S::samanthawagner@unomaha.edu::16297234-fb1c-49cd-ab2e-a70cbd0c939b" providerId="AD" clId="Web-{4D929B99-296D-4D51-BFC8-D1D89556A194}" dt="2021-12-11T19:36:17.978" v="26" actId="20577"/>
+        <pc:sldMkLst>
+          <pc:docMk/>
+          <pc:sldMk cId="3736161039" sldId="298"/>
+        </pc:sldMkLst>
+        <pc:spChg chg="mod">
+          <ac:chgData name="Sam Wagner" userId="S::samanthawagner@unomaha.edu::16297234-fb1c-49cd-ab2e-a70cbd0c939b" providerId="AD" clId="Web-{4D929B99-296D-4D51-BFC8-D1D89556A194}" dt="2021-12-11T19:35:33.665" v="11" actId="20577"/>
+          <ac:spMkLst>
+            <pc:docMk/>
+            <pc:sldMk cId="3736161039" sldId="298"/>
+            <ac:spMk id="2" creationId="{34AD8C59-1B8E-4057-A05F-9BE6C0409D34}"/>
+          </ac:spMkLst>
+        </pc:spChg>
+        <pc:spChg chg="mod">
+          <ac:chgData name="Sam Wagner" userId="S::samanthawagner@unomaha.edu::16297234-fb1c-49cd-ab2e-a70cbd0c939b" providerId="AD" clId="Web-{4D929B99-296D-4D51-BFC8-D1D89556A194}" dt="2021-12-11T19:36:17.978" v="26" actId="20577"/>
+          <ac:spMkLst>
+            <pc:docMk/>
+            <pc:sldMk cId="3736161039" sldId="298"/>
+            <ac:spMk id="3" creationId="{785AE07D-EFFC-4FFB-A9B6-15773EDE24BA}"/>
+          </ac:spMkLst>
+        </pc:spChg>
+      </pc:sldChg>
+    </pc:docChg>
+  </pc:docChgLst>
+  <pc:docChgLst>
     <pc:chgData name="Sam Wagner" userId="S::samanthawagner@unomaha.edu::16297234-fb1c-49cd-ab2e-a70cbd0c939b" providerId="AD" clId="Web-{410CFA30-AE29-49EB-BED3-B4C68E227B2F}"/>
     <pc:docChg chg="modSld">
       <pc:chgData name="Sam Wagner" userId="S::samanthawagner@unomaha.edu::16297234-fb1c-49cd-ab2e-a70cbd0c939b" providerId="AD" clId="Web-{410CFA30-AE29-49EB-BED3-B4C68E227B2F}" dt="2021-12-11T16:59:52.483" v="162"/>
@@ -709,38 +741,6 @@
             <ac:cxnSpMk id="11" creationId="{F15CCCF0-E573-463A-9760-1FDC0B2CFBD7}"/>
           </ac:cxnSpMkLst>
         </pc:cxnChg>
-      </pc:sldChg>
-    </pc:docChg>
-  </pc:docChgLst>
-  <pc:docChgLst>
-    <pc:chgData name="Sam Wagner" userId="S::samanthawagner@unomaha.edu::16297234-fb1c-49cd-ab2e-a70cbd0c939b" providerId="AD" clId="Web-{4D929B99-296D-4D51-BFC8-D1D89556A194}"/>
-    <pc:docChg chg="addSld modSld">
-      <pc:chgData name="Sam Wagner" userId="S::samanthawagner@unomaha.edu::16297234-fb1c-49cd-ab2e-a70cbd0c939b" providerId="AD" clId="Web-{4D929B99-296D-4D51-BFC8-D1D89556A194}" dt="2021-12-11T19:36:17.978" v="26" actId="20577"/>
-      <pc:docMkLst>
-        <pc:docMk/>
-      </pc:docMkLst>
-      <pc:sldChg chg="modSp new">
-        <pc:chgData name="Sam Wagner" userId="S::samanthawagner@unomaha.edu::16297234-fb1c-49cd-ab2e-a70cbd0c939b" providerId="AD" clId="Web-{4D929B99-296D-4D51-BFC8-D1D89556A194}" dt="2021-12-11T19:36:17.978" v="26" actId="20577"/>
-        <pc:sldMkLst>
-          <pc:docMk/>
-          <pc:sldMk cId="3736161039" sldId="298"/>
-        </pc:sldMkLst>
-        <pc:spChg chg="mod">
-          <ac:chgData name="Sam Wagner" userId="S::samanthawagner@unomaha.edu::16297234-fb1c-49cd-ab2e-a70cbd0c939b" providerId="AD" clId="Web-{4D929B99-296D-4D51-BFC8-D1D89556A194}" dt="2021-12-11T19:35:33.665" v="11" actId="20577"/>
-          <ac:spMkLst>
-            <pc:docMk/>
-            <pc:sldMk cId="3736161039" sldId="298"/>
-            <ac:spMk id="2" creationId="{34AD8C59-1B8E-4057-A05F-9BE6C0409D34}"/>
-          </ac:spMkLst>
-        </pc:spChg>
-        <pc:spChg chg="mod">
-          <ac:chgData name="Sam Wagner" userId="S::samanthawagner@unomaha.edu::16297234-fb1c-49cd-ab2e-a70cbd0c939b" providerId="AD" clId="Web-{4D929B99-296D-4D51-BFC8-D1D89556A194}" dt="2021-12-11T19:36:17.978" v="26" actId="20577"/>
-          <ac:spMkLst>
-            <pc:docMk/>
-            <pc:sldMk cId="3736161039" sldId="298"/>
-            <ac:spMk id="3" creationId="{785AE07D-EFFC-4FFB-A9B6-15773EDE24BA}"/>
-          </ac:spMkLst>
-        </pc:spChg>
       </pc:sldChg>
     </pc:docChg>
   </pc:docChgLst>
@@ -851,6 +851,222 @@
             <ac:spMk id="3" creationId="{1D1D979C-CDB2-47B1-BF7D-95DA6DA10331}"/>
           </ac:spMkLst>
         </pc:spChg>
+      </pc:sldChg>
+    </pc:docChg>
+  </pc:docChgLst>
+  <pc:docChgLst>
+    <pc:chgData name="Sam Wagner" userId="S::samanthawagner@unomaha.edu::16297234-fb1c-49cd-ab2e-a70cbd0c939b" providerId="AD" clId="Web-{40E95D6C-5DB6-40CE-B915-9A11429FE331}"/>
+    <pc:docChg chg="addSld delSld modSld sldOrd">
+      <pc:chgData name="Sam Wagner" userId="S::samanthawagner@unomaha.edu::16297234-fb1c-49cd-ab2e-a70cbd0c939b" providerId="AD" clId="Web-{40E95D6C-5DB6-40CE-B915-9A11429FE331}" dt="2021-12-14T02:25:26.839" v="172" actId="1076"/>
+      <pc:docMkLst>
+        <pc:docMk/>
+      </pc:docMkLst>
+      <pc:sldChg chg="addSp modSp ord">
+        <pc:chgData name="Sam Wagner" userId="S::samanthawagner@unomaha.edu::16297234-fb1c-49cd-ab2e-a70cbd0c939b" providerId="AD" clId="Web-{40E95D6C-5DB6-40CE-B915-9A11429FE331}" dt="2021-12-14T02:24:19.026" v="153" actId="1076"/>
+        <pc:sldMkLst>
+          <pc:docMk/>
+          <pc:sldMk cId="3142299172" sldId="288"/>
+        </pc:sldMkLst>
+        <pc:spChg chg="add mod">
+          <ac:chgData name="Sam Wagner" userId="S::samanthawagner@unomaha.edu::16297234-fb1c-49cd-ab2e-a70cbd0c939b" providerId="AD" clId="Web-{40E95D6C-5DB6-40CE-B915-9A11429FE331}" dt="2021-12-14T02:20:21.119" v="128" actId="14100"/>
+          <ac:spMkLst>
+            <pc:docMk/>
+            <pc:sldMk cId="3142299172" sldId="288"/>
+            <ac:spMk id="3" creationId="{B0625FA2-F5BD-4752-BCC7-EC74CE8AF4F5}"/>
+          </ac:spMkLst>
+        </pc:spChg>
+        <pc:spChg chg="add mod">
+          <ac:chgData name="Sam Wagner" userId="S::samanthawagner@unomaha.edu::16297234-fb1c-49cd-ab2e-a70cbd0c939b" providerId="AD" clId="Web-{40E95D6C-5DB6-40CE-B915-9A11429FE331}" dt="2021-12-14T02:24:19.026" v="153" actId="1076"/>
+          <ac:spMkLst>
+            <pc:docMk/>
+            <pc:sldMk cId="3142299172" sldId="288"/>
+            <ac:spMk id="5" creationId="{B0B1A478-19DF-4724-948F-ECC9A80C73A1}"/>
+          </ac:spMkLst>
+        </pc:spChg>
+        <pc:picChg chg="mod">
+          <ac:chgData name="Sam Wagner" userId="S::samanthawagner@unomaha.edu::16297234-fb1c-49cd-ab2e-a70cbd0c939b" providerId="AD" clId="Web-{40E95D6C-5DB6-40CE-B915-9A11429FE331}" dt="2021-12-14T02:19:26.321" v="52" actId="1076"/>
+          <ac:picMkLst>
+            <pc:docMk/>
+            <pc:sldMk cId="3142299172" sldId="288"/>
+            <ac:picMk id="4" creationId="{83DFAFA7-4664-4E48-9B71-6058A109AD46}"/>
+          </ac:picMkLst>
+        </pc:picChg>
+      </pc:sldChg>
+      <pc:sldChg chg="del">
+        <pc:chgData name="Sam Wagner" userId="S::samanthawagner@unomaha.edu::16297234-fb1c-49cd-ab2e-a70cbd0c939b" providerId="AD" clId="Web-{40E95D6C-5DB6-40CE-B915-9A11429FE331}" dt="2021-12-14T02:18:52.259" v="51"/>
+        <pc:sldMkLst>
+          <pc:docMk/>
+          <pc:sldMk cId="3854946920" sldId="292"/>
+        </pc:sldMkLst>
+      </pc:sldChg>
+      <pc:sldChg chg="delSp ord">
+        <pc:chgData name="Sam Wagner" userId="S::samanthawagner@unomaha.edu::16297234-fb1c-49cd-ab2e-a70cbd0c939b" providerId="AD" clId="Web-{40E95D6C-5DB6-40CE-B915-9A11429FE331}" dt="2021-12-14T02:24:55.276" v="160"/>
+        <pc:sldMkLst>
+          <pc:docMk/>
+          <pc:sldMk cId="1073521535" sldId="301"/>
+        </pc:sldMkLst>
+        <pc:picChg chg="del">
+          <ac:chgData name="Sam Wagner" userId="S::samanthawagner@unomaha.edu::16297234-fb1c-49cd-ab2e-a70cbd0c939b" providerId="AD" clId="Web-{40E95D6C-5DB6-40CE-B915-9A11429FE331}" dt="2021-12-14T02:24:55.276" v="160"/>
+          <ac:picMkLst>
+            <pc:docMk/>
+            <pc:sldMk cId="1073521535" sldId="301"/>
+            <ac:picMk id="5" creationId="{0B7F5430-DB12-4831-9D70-4D10D29FD9C4}"/>
+          </ac:picMkLst>
+        </pc:picChg>
+      </pc:sldChg>
+      <pc:sldChg chg="addSp modSp del">
+        <pc:chgData name="Sam Wagner" userId="S::samanthawagner@unomaha.edu::16297234-fb1c-49cd-ab2e-a70cbd0c939b" providerId="AD" clId="Web-{40E95D6C-5DB6-40CE-B915-9A11429FE331}" dt="2021-12-14T02:24:26.214" v="155"/>
+        <pc:sldMkLst>
+          <pc:docMk/>
+          <pc:sldMk cId="916843013" sldId="302"/>
+        </pc:sldMkLst>
+        <pc:spChg chg="add mod">
+          <ac:chgData name="Sam Wagner" userId="S::samanthawagner@unomaha.edu::16297234-fb1c-49cd-ab2e-a70cbd0c939b" providerId="AD" clId="Web-{40E95D6C-5DB6-40CE-B915-9A11429FE331}" dt="2021-12-14T02:22:59.463" v="141" actId="20577"/>
+          <ac:spMkLst>
+            <pc:docMk/>
+            <pc:sldMk cId="916843013" sldId="302"/>
+            <ac:spMk id="3" creationId="{EED8C3EA-F459-4230-9301-F3A904931F00}"/>
+          </ac:spMkLst>
+        </pc:spChg>
+        <pc:picChg chg="mod">
+          <ac:chgData name="Sam Wagner" userId="S::samanthawagner@unomaha.edu::16297234-fb1c-49cd-ab2e-a70cbd0c939b" providerId="AD" clId="Web-{40E95D6C-5DB6-40CE-B915-9A11429FE331}" dt="2021-12-14T02:23:07.620" v="144" actId="1076"/>
+          <ac:picMkLst>
+            <pc:docMk/>
+            <pc:sldMk cId="916843013" sldId="302"/>
+            <ac:picMk id="5" creationId="{0B7F5430-DB12-4831-9D70-4D10D29FD9C4}"/>
+          </ac:picMkLst>
+        </pc:picChg>
+      </pc:sldChg>
+      <pc:sldChg chg="addSp delSp modSp ord">
+        <pc:chgData name="Sam Wagner" userId="S::samanthawagner@unomaha.edu::16297234-fb1c-49cd-ab2e-a70cbd0c939b" providerId="AD" clId="Web-{40E95D6C-5DB6-40CE-B915-9A11429FE331}" dt="2021-12-14T02:24:50.745" v="159" actId="20577"/>
+        <pc:sldMkLst>
+          <pc:docMk/>
+          <pc:sldMk cId="988239217" sldId="303"/>
+        </pc:sldMkLst>
+        <pc:spChg chg="add">
+          <ac:chgData name="Sam Wagner" userId="S::samanthawagner@unomaha.edu::16297234-fb1c-49cd-ab2e-a70cbd0c939b" providerId="AD" clId="Web-{40E95D6C-5DB6-40CE-B915-9A11429FE331}" dt="2021-12-14T02:14:45.055" v="33"/>
+          <ac:spMkLst>
+            <pc:docMk/>
+            <pc:sldMk cId="988239217" sldId="303"/>
+            <ac:spMk id="3" creationId="{11C84A0D-BA5E-4BD3-B6E9-A8F411EC10E9}"/>
+          </ac:spMkLst>
+        </pc:spChg>
+        <pc:spChg chg="add mod">
+          <ac:chgData name="Sam Wagner" userId="S::samanthawagner@unomaha.edu::16297234-fb1c-49cd-ab2e-a70cbd0c939b" providerId="AD" clId="Web-{40E95D6C-5DB6-40CE-B915-9A11429FE331}" dt="2021-12-14T02:24:50.745" v="159" actId="20577"/>
+          <ac:spMkLst>
+            <pc:docMk/>
+            <pc:sldMk cId="988239217" sldId="303"/>
+            <ac:spMk id="5" creationId="{89894F47-78AF-4D0A-BF8B-8B79C57FF7B9}"/>
+          </ac:spMkLst>
+        </pc:spChg>
+        <pc:spChg chg="add del mod">
+          <ac:chgData name="Sam Wagner" userId="S::samanthawagner@unomaha.edu::16297234-fb1c-49cd-ab2e-a70cbd0c939b" providerId="AD" clId="Web-{40E95D6C-5DB6-40CE-B915-9A11429FE331}" dt="2021-12-14T02:15:42.680" v="42"/>
+          <ac:spMkLst>
+            <pc:docMk/>
+            <pc:sldMk cId="988239217" sldId="303"/>
+            <ac:spMk id="6" creationId="{332275C1-D574-4F97-8BE9-AFA393ECEDE0}"/>
+          </ac:spMkLst>
+        </pc:spChg>
+        <pc:spChg chg="add del">
+          <ac:chgData name="Sam Wagner" userId="S::samanthawagner@unomaha.edu::16297234-fb1c-49cd-ab2e-a70cbd0c939b" providerId="AD" clId="Web-{40E95D6C-5DB6-40CE-B915-9A11429FE331}" dt="2021-12-14T02:15:37.055" v="40"/>
+          <ac:spMkLst>
+            <pc:docMk/>
+            <pc:sldMk cId="988239217" sldId="303"/>
+            <ac:spMk id="7" creationId="{E411B13D-862D-48F9-965A-7DCB5E12F61C}"/>
+          </ac:spMkLst>
+        </pc:spChg>
+        <pc:picChg chg="mod">
+          <ac:chgData name="Sam Wagner" userId="S::samanthawagner@unomaha.edu::16297234-fb1c-49cd-ab2e-a70cbd0c939b" providerId="AD" clId="Web-{40E95D6C-5DB6-40CE-B915-9A11429FE331}" dt="2021-12-14T02:14:40.992" v="32" actId="1076"/>
+          <ac:picMkLst>
+            <pc:docMk/>
+            <pc:sldMk cId="988239217" sldId="303"/>
+            <ac:picMk id="4" creationId="{8E7E0A41-E67E-44D2-A675-FFD29884CB71}"/>
+          </ac:picMkLst>
+        </pc:picChg>
+      </pc:sldChg>
+      <pc:sldChg chg="addSp delSp modSp add replId">
+        <pc:chgData name="Sam Wagner" userId="S::samanthawagner@unomaha.edu::16297234-fb1c-49cd-ab2e-a70cbd0c939b" providerId="AD" clId="Web-{40E95D6C-5DB6-40CE-B915-9A11429FE331}" dt="2021-12-14T02:23:59.635" v="151" actId="20577"/>
+        <pc:sldMkLst>
+          <pc:docMk/>
+          <pc:sldMk cId="3690917875" sldId="304"/>
+        </pc:sldMkLst>
+        <pc:spChg chg="mod">
+          <ac:chgData name="Sam Wagner" userId="S::samanthawagner@unomaha.edu::16297234-fb1c-49cd-ab2e-a70cbd0c939b" providerId="AD" clId="Web-{40E95D6C-5DB6-40CE-B915-9A11429FE331}" dt="2021-12-14T02:23:59.635" v="151" actId="20577"/>
+          <ac:spMkLst>
+            <pc:docMk/>
+            <pc:sldMk cId="3690917875" sldId="304"/>
+            <ac:spMk id="9" creationId="{9ED261F0-F2B3-4340-996D-BD6E6E6815AE}"/>
+          </ac:spMkLst>
+        </pc:spChg>
+        <pc:picChg chg="add mod">
+          <ac:chgData name="Sam Wagner" userId="S::samanthawagner@unomaha.edu::16297234-fb1c-49cd-ab2e-a70cbd0c939b" providerId="AD" clId="Web-{40E95D6C-5DB6-40CE-B915-9A11429FE331}" dt="2021-12-14T02:23:48.745" v="148" actId="1076"/>
+          <ac:picMkLst>
+            <pc:docMk/>
+            <pc:sldMk cId="3690917875" sldId="304"/>
+            <ac:picMk id="3" creationId="{F2F69BAE-40A9-4086-A197-172197D8E6ED}"/>
+          </ac:picMkLst>
+        </pc:picChg>
+        <pc:picChg chg="del">
+          <ac:chgData name="Sam Wagner" userId="S::samanthawagner@unomaha.edu::16297234-fb1c-49cd-ab2e-a70cbd0c939b" providerId="AD" clId="Web-{40E95D6C-5DB6-40CE-B915-9A11429FE331}" dt="2021-12-14T02:23:46.151" v="147"/>
+          <ac:picMkLst>
+            <pc:docMk/>
+            <pc:sldMk cId="3690917875" sldId="304"/>
+            <ac:picMk id="4" creationId="{171D6054-E31C-4F93-9B54-1667844C323B}"/>
+          </ac:picMkLst>
+        </pc:picChg>
+      </pc:sldChg>
+      <pc:sldChg chg="addSp delSp modSp add del ord replId">
+        <pc:chgData name="Sam Wagner" userId="S::samanthawagner@unomaha.edu::16297234-fb1c-49cd-ab2e-a70cbd0c939b" providerId="AD" clId="Web-{40E95D6C-5DB6-40CE-B915-9A11429FE331}" dt="2021-12-14T02:16:53.618" v="50"/>
+        <pc:sldMkLst>
+          <pc:docMk/>
+          <pc:sldMk cId="4058285459" sldId="304"/>
+        </pc:sldMkLst>
+        <pc:spChg chg="add mod">
+          <ac:chgData name="Sam Wagner" userId="S::samanthawagner@unomaha.edu::16297234-fb1c-49cd-ab2e-a70cbd0c939b" providerId="AD" clId="Web-{40E95D6C-5DB6-40CE-B915-9A11429FE331}" dt="2021-12-14T02:14:09.867" v="30" actId="20577"/>
+          <ac:spMkLst>
+            <pc:docMk/>
+            <pc:sldMk cId="4058285459" sldId="304"/>
+            <ac:spMk id="3" creationId="{1FD16183-6468-4A1A-8B27-DBD130BB9708}"/>
+          </ac:spMkLst>
+        </pc:spChg>
+        <pc:picChg chg="del">
+          <ac:chgData name="Sam Wagner" userId="S::samanthawagner@unomaha.edu::16297234-fb1c-49cd-ab2e-a70cbd0c939b" providerId="AD" clId="Web-{40E95D6C-5DB6-40CE-B915-9A11429FE331}" dt="2021-12-14T02:13:06.023" v="3"/>
+          <ac:picMkLst>
+            <pc:docMk/>
+            <pc:sldMk cId="4058285459" sldId="304"/>
+            <ac:picMk id="5" creationId="{0B7F5430-DB12-4831-9D70-4D10D29FD9C4}"/>
+          </ac:picMkLst>
+        </pc:picChg>
+      </pc:sldChg>
+      <pc:sldChg chg="addSp delSp modSp add replId">
+        <pc:chgData name="Sam Wagner" userId="S::samanthawagner@unomaha.edu::16297234-fb1c-49cd-ab2e-a70cbd0c939b" providerId="AD" clId="Web-{40E95D6C-5DB6-40CE-B915-9A11429FE331}" dt="2021-12-14T02:25:26.839" v="172" actId="1076"/>
+        <pc:sldMkLst>
+          <pc:docMk/>
+          <pc:sldMk cId="110576765" sldId="305"/>
+        </pc:sldMkLst>
+        <pc:picChg chg="del">
+          <ac:chgData name="Sam Wagner" userId="S::samanthawagner@unomaha.edu::16297234-fb1c-49cd-ab2e-a70cbd0c939b" providerId="AD" clId="Web-{40E95D6C-5DB6-40CE-B915-9A11429FE331}" dt="2021-12-14T02:25:05.276" v="162"/>
+          <ac:picMkLst>
+            <pc:docMk/>
+            <pc:sldMk cId="110576765" sldId="305"/>
+            <ac:picMk id="3" creationId="{F2F69BAE-40A9-4086-A197-172197D8E6ED}"/>
+          </ac:picMkLst>
+        </pc:picChg>
+        <pc:picChg chg="add del mod">
+          <ac:chgData name="Sam Wagner" userId="S::samanthawagner@unomaha.edu::16297234-fb1c-49cd-ab2e-a70cbd0c939b" providerId="AD" clId="Web-{40E95D6C-5DB6-40CE-B915-9A11429FE331}" dt="2021-12-14T02:25:26.839" v="172" actId="1076"/>
+          <ac:picMkLst>
+            <pc:docMk/>
+            <pc:sldMk cId="110576765" sldId="305"/>
+            <ac:picMk id="4" creationId="{ADAACC1A-6D6C-457E-A868-BE60CA8ADF49}"/>
+          </ac:picMkLst>
+        </pc:picChg>
+      </pc:sldChg>
+      <pc:sldChg chg="new del">
+        <pc:chgData name="Sam Wagner" userId="S::samanthawagner@unomaha.edu::16297234-fb1c-49cd-ab2e-a70cbd0c939b" providerId="AD" clId="Web-{40E95D6C-5DB6-40CE-B915-9A11429FE331}" dt="2021-12-14T02:15:09.836" v="35"/>
+        <pc:sldMkLst>
+          <pc:docMk/>
+          <pc:sldMk cId="2554028201" sldId="305"/>
+        </pc:sldMkLst>
       </pc:sldChg>
     </pc:docChg>
   </pc:docChgLst>
@@ -980,222 +1196,6 @@
             <ac:spMk id="2" creationId="{4E79CB38-64FB-47D5-A599-ED6F50A4D15F}"/>
           </ac:spMkLst>
         </pc:spChg>
-      </pc:sldChg>
-    </pc:docChg>
-  </pc:docChgLst>
-  <pc:docChgLst>
-    <pc:chgData name="Sam Wagner" userId="S::samanthawagner@unomaha.edu::16297234-fb1c-49cd-ab2e-a70cbd0c939b" providerId="AD" clId="Web-{40E95D6C-5DB6-40CE-B915-9A11429FE331}"/>
-    <pc:docChg chg="addSld delSld modSld sldOrd">
-      <pc:chgData name="Sam Wagner" userId="S::samanthawagner@unomaha.edu::16297234-fb1c-49cd-ab2e-a70cbd0c939b" providerId="AD" clId="Web-{40E95D6C-5DB6-40CE-B915-9A11429FE331}" dt="2021-12-14T02:25:26.839" v="172" actId="1076"/>
-      <pc:docMkLst>
-        <pc:docMk/>
-      </pc:docMkLst>
-      <pc:sldChg chg="addSp modSp ord">
-        <pc:chgData name="Sam Wagner" userId="S::samanthawagner@unomaha.edu::16297234-fb1c-49cd-ab2e-a70cbd0c939b" providerId="AD" clId="Web-{40E95D6C-5DB6-40CE-B915-9A11429FE331}" dt="2021-12-14T02:24:19.026" v="153" actId="1076"/>
-        <pc:sldMkLst>
-          <pc:docMk/>
-          <pc:sldMk cId="3142299172" sldId="288"/>
-        </pc:sldMkLst>
-        <pc:spChg chg="add mod">
-          <ac:chgData name="Sam Wagner" userId="S::samanthawagner@unomaha.edu::16297234-fb1c-49cd-ab2e-a70cbd0c939b" providerId="AD" clId="Web-{40E95D6C-5DB6-40CE-B915-9A11429FE331}" dt="2021-12-14T02:20:21.119" v="128" actId="14100"/>
-          <ac:spMkLst>
-            <pc:docMk/>
-            <pc:sldMk cId="3142299172" sldId="288"/>
-            <ac:spMk id="3" creationId="{B0625FA2-F5BD-4752-BCC7-EC74CE8AF4F5}"/>
-          </ac:spMkLst>
-        </pc:spChg>
-        <pc:spChg chg="add mod">
-          <ac:chgData name="Sam Wagner" userId="S::samanthawagner@unomaha.edu::16297234-fb1c-49cd-ab2e-a70cbd0c939b" providerId="AD" clId="Web-{40E95D6C-5DB6-40CE-B915-9A11429FE331}" dt="2021-12-14T02:24:19.026" v="153" actId="1076"/>
-          <ac:spMkLst>
-            <pc:docMk/>
-            <pc:sldMk cId="3142299172" sldId="288"/>
-            <ac:spMk id="5" creationId="{B0B1A478-19DF-4724-948F-ECC9A80C73A1}"/>
-          </ac:spMkLst>
-        </pc:spChg>
-        <pc:picChg chg="mod">
-          <ac:chgData name="Sam Wagner" userId="S::samanthawagner@unomaha.edu::16297234-fb1c-49cd-ab2e-a70cbd0c939b" providerId="AD" clId="Web-{40E95D6C-5DB6-40CE-B915-9A11429FE331}" dt="2021-12-14T02:19:26.321" v="52" actId="1076"/>
-          <ac:picMkLst>
-            <pc:docMk/>
-            <pc:sldMk cId="3142299172" sldId="288"/>
-            <ac:picMk id="4" creationId="{83DFAFA7-4664-4E48-9B71-6058A109AD46}"/>
-          </ac:picMkLst>
-        </pc:picChg>
-      </pc:sldChg>
-      <pc:sldChg chg="del">
-        <pc:chgData name="Sam Wagner" userId="S::samanthawagner@unomaha.edu::16297234-fb1c-49cd-ab2e-a70cbd0c939b" providerId="AD" clId="Web-{40E95D6C-5DB6-40CE-B915-9A11429FE331}" dt="2021-12-14T02:18:52.259" v="51"/>
-        <pc:sldMkLst>
-          <pc:docMk/>
-          <pc:sldMk cId="3854946920" sldId="292"/>
-        </pc:sldMkLst>
-      </pc:sldChg>
-      <pc:sldChg chg="delSp ord">
-        <pc:chgData name="Sam Wagner" userId="S::samanthawagner@unomaha.edu::16297234-fb1c-49cd-ab2e-a70cbd0c939b" providerId="AD" clId="Web-{40E95D6C-5DB6-40CE-B915-9A11429FE331}" dt="2021-12-14T02:24:55.276" v="160"/>
-        <pc:sldMkLst>
-          <pc:docMk/>
-          <pc:sldMk cId="1073521535" sldId="301"/>
-        </pc:sldMkLst>
-        <pc:picChg chg="del">
-          <ac:chgData name="Sam Wagner" userId="S::samanthawagner@unomaha.edu::16297234-fb1c-49cd-ab2e-a70cbd0c939b" providerId="AD" clId="Web-{40E95D6C-5DB6-40CE-B915-9A11429FE331}" dt="2021-12-14T02:24:55.276" v="160"/>
-          <ac:picMkLst>
-            <pc:docMk/>
-            <pc:sldMk cId="1073521535" sldId="301"/>
-            <ac:picMk id="5" creationId="{0B7F5430-DB12-4831-9D70-4D10D29FD9C4}"/>
-          </ac:picMkLst>
-        </pc:picChg>
-      </pc:sldChg>
-      <pc:sldChg chg="addSp modSp del">
-        <pc:chgData name="Sam Wagner" userId="S::samanthawagner@unomaha.edu::16297234-fb1c-49cd-ab2e-a70cbd0c939b" providerId="AD" clId="Web-{40E95D6C-5DB6-40CE-B915-9A11429FE331}" dt="2021-12-14T02:24:26.214" v="155"/>
-        <pc:sldMkLst>
-          <pc:docMk/>
-          <pc:sldMk cId="916843013" sldId="302"/>
-        </pc:sldMkLst>
-        <pc:spChg chg="add mod">
-          <ac:chgData name="Sam Wagner" userId="S::samanthawagner@unomaha.edu::16297234-fb1c-49cd-ab2e-a70cbd0c939b" providerId="AD" clId="Web-{40E95D6C-5DB6-40CE-B915-9A11429FE331}" dt="2021-12-14T02:22:59.463" v="141" actId="20577"/>
-          <ac:spMkLst>
-            <pc:docMk/>
-            <pc:sldMk cId="916843013" sldId="302"/>
-            <ac:spMk id="3" creationId="{EED8C3EA-F459-4230-9301-F3A904931F00}"/>
-          </ac:spMkLst>
-        </pc:spChg>
-        <pc:picChg chg="mod">
-          <ac:chgData name="Sam Wagner" userId="S::samanthawagner@unomaha.edu::16297234-fb1c-49cd-ab2e-a70cbd0c939b" providerId="AD" clId="Web-{40E95D6C-5DB6-40CE-B915-9A11429FE331}" dt="2021-12-14T02:23:07.620" v="144" actId="1076"/>
-          <ac:picMkLst>
-            <pc:docMk/>
-            <pc:sldMk cId="916843013" sldId="302"/>
-            <ac:picMk id="5" creationId="{0B7F5430-DB12-4831-9D70-4D10D29FD9C4}"/>
-          </ac:picMkLst>
-        </pc:picChg>
-      </pc:sldChg>
-      <pc:sldChg chg="addSp delSp modSp ord">
-        <pc:chgData name="Sam Wagner" userId="S::samanthawagner@unomaha.edu::16297234-fb1c-49cd-ab2e-a70cbd0c939b" providerId="AD" clId="Web-{40E95D6C-5DB6-40CE-B915-9A11429FE331}" dt="2021-12-14T02:24:50.745" v="159" actId="20577"/>
-        <pc:sldMkLst>
-          <pc:docMk/>
-          <pc:sldMk cId="988239217" sldId="303"/>
-        </pc:sldMkLst>
-        <pc:spChg chg="add">
-          <ac:chgData name="Sam Wagner" userId="S::samanthawagner@unomaha.edu::16297234-fb1c-49cd-ab2e-a70cbd0c939b" providerId="AD" clId="Web-{40E95D6C-5DB6-40CE-B915-9A11429FE331}" dt="2021-12-14T02:14:45.055" v="33"/>
-          <ac:spMkLst>
-            <pc:docMk/>
-            <pc:sldMk cId="988239217" sldId="303"/>
-            <ac:spMk id="3" creationId="{11C84A0D-BA5E-4BD3-B6E9-A8F411EC10E9}"/>
-          </ac:spMkLst>
-        </pc:spChg>
-        <pc:spChg chg="add mod">
-          <ac:chgData name="Sam Wagner" userId="S::samanthawagner@unomaha.edu::16297234-fb1c-49cd-ab2e-a70cbd0c939b" providerId="AD" clId="Web-{40E95D6C-5DB6-40CE-B915-9A11429FE331}" dt="2021-12-14T02:24:50.745" v="159" actId="20577"/>
-          <ac:spMkLst>
-            <pc:docMk/>
-            <pc:sldMk cId="988239217" sldId="303"/>
-            <ac:spMk id="5" creationId="{89894F47-78AF-4D0A-BF8B-8B79C57FF7B9}"/>
-          </ac:spMkLst>
-        </pc:spChg>
-        <pc:spChg chg="add del mod">
-          <ac:chgData name="Sam Wagner" userId="S::samanthawagner@unomaha.edu::16297234-fb1c-49cd-ab2e-a70cbd0c939b" providerId="AD" clId="Web-{40E95D6C-5DB6-40CE-B915-9A11429FE331}" dt="2021-12-14T02:15:42.680" v="42"/>
-          <ac:spMkLst>
-            <pc:docMk/>
-            <pc:sldMk cId="988239217" sldId="303"/>
-            <ac:spMk id="6" creationId="{332275C1-D574-4F97-8BE9-AFA393ECEDE0}"/>
-          </ac:spMkLst>
-        </pc:spChg>
-        <pc:spChg chg="add del">
-          <ac:chgData name="Sam Wagner" userId="S::samanthawagner@unomaha.edu::16297234-fb1c-49cd-ab2e-a70cbd0c939b" providerId="AD" clId="Web-{40E95D6C-5DB6-40CE-B915-9A11429FE331}" dt="2021-12-14T02:15:37.055" v="40"/>
-          <ac:spMkLst>
-            <pc:docMk/>
-            <pc:sldMk cId="988239217" sldId="303"/>
-            <ac:spMk id="7" creationId="{E411B13D-862D-48F9-965A-7DCB5E12F61C}"/>
-          </ac:spMkLst>
-        </pc:spChg>
-        <pc:picChg chg="mod">
-          <ac:chgData name="Sam Wagner" userId="S::samanthawagner@unomaha.edu::16297234-fb1c-49cd-ab2e-a70cbd0c939b" providerId="AD" clId="Web-{40E95D6C-5DB6-40CE-B915-9A11429FE331}" dt="2021-12-14T02:14:40.992" v="32" actId="1076"/>
-          <ac:picMkLst>
-            <pc:docMk/>
-            <pc:sldMk cId="988239217" sldId="303"/>
-            <ac:picMk id="4" creationId="{8E7E0A41-E67E-44D2-A675-FFD29884CB71}"/>
-          </ac:picMkLst>
-        </pc:picChg>
-      </pc:sldChg>
-      <pc:sldChg chg="addSp delSp modSp add replId">
-        <pc:chgData name="Sam Wagner" userId="S::samanthawagner@unomaha.edu::16297234-fb1c-49cd-ab2e-a70cbd0c939b" providerId="AD" clId="Web-{40E95D6C-5DB6-40CE-B915-9A11429FE331}" dt="2021-12-14T02:23:59.635" v="151" actId="20577"/>
-        <pc:sldMkLst>
-          <pc:docMk/>
-          <pc:sldMk cId="3690917875" sldId="304"/>
-        </pc:sldMkLst>
-        <pc:spChg chg="mod">
-          <ac:chgData name="Sam Wagner" userId="S::samanthawagner@unomaha.edu::16297234-fb1c-49cd-ab2e-a70cbd0c939b" providerId="AD" clId="Web-{40E95D6C-5DB6-40CE-B915-9A11429FE331}" dt="2021-12-14T02:23:59.635" v="151" actId="20577"/>
-          <ac:spMkLst>
-            <pc:docMk/>
-            <pc:sldMk cId="3690917875" sldId="304"/>
-            <ac:spMk id="9" creationId="{9ED261F0-F2B3-4340-996D-BD6E6E6815AE}"/>
-          </ac:spMkLst>
-        </pc:spChg>
-        <pc:picChg chg="add mod">
-          <ac:chgData name="Sam Wagner" userId="S::samanthawagner@unomaha.edu::16297234-fb1c-49cd-ab2e-a70cbd0c939b" providerId="AD" clId="Web-{40E95D6C-5DB6-40CE-B915-9A11429FE331}" dt="2021-12-14T02:23:48.745" v="148" actId="1076"/>
-          <ac:picMkLst>
-            <pc:docMk/>
-            <pc:sldMk cId="3690917875" sldId="304"/>
-            <ac:picMk id="3" creationId="{F2F69BAE-40A9-4086-A197-172197D8E6ED}"/>
-          </ac:picMkLst>
-        </pc:picChg>
-        <pc:picChg chg="del">
-          <ac:chgData name="Sam Wagner" userId="S::samanthawagner@unomaha.edu::16297234-fb1c-49cd-ab2e-a70cbd0c939b" providerId="AD" clId="Web-{40E95D6C-5DB6-40CE-B915-9A11429FE331}" dt="2021-12-14T02:23:46.151" v="147"/>
-          <ac:picMkLst>
-            <pc:docMk/>
-            <pc:sldMk cId="3690917875" sldId="304"/>
-            <ac:picMk id="4" creationId="{171D6054-E31C-4F93-9B54-1667844C323B}"/>
-          </ac:picMkLst>
-        </pc:picChg>
-      </pc:sldChg>
-      <pc:sldChg chg="addSp delSp modSp add del ord replId">
-        <pc:chgData name="Sam Wagner" userId="S::samanthawagner@unomaha.edu::16297234-fb1c-49cd-ab2e-a70cbd0c939b" providerId="AD" clId="Web-{40E95D6C-5DB6-40CE-B915-9A11429FE331}" dt="2021-12-14T02:16:53.618" v="50"/>
-        <pc:sldMkLst>
-          <pc:docMk/>
-          <pc:sldMk cId="4058285459" sldId="304"/>
-        </pc:sldMkLst>
-        <pc:spChg chg="add mod">
-          <ac:chgData name="Sam Wagner" userId="S::samanthawagner@unomaha.edu::16297234-fb1c-49cd-ab2e-a70cbd0c939b" providerId="AD" clId="Web-{40E95D6C-5DB6-40CE-B915-9A11429FE331}" dt="2021-12-14T02:14:09.867" v="30" actId="20577"/>
-          <ac:spMkLst>
-            <pc:docMk/>
-            <pc:sldMk cId="4058285459" sldId="304"/>
-            <ac:spMk id="3" creationId="{1FD16183-6468-4A1A-8B27-DBD130BB9708}"/>
-          </ac:spMkLst>
-        </pc:spChg>
-        <pc:picChg chg="del">
-          <ac:chgData name="Sam Wagner" userId="S::samanthawagner@unomaha.edu::16297234-fb1c-49cd-ab2e-a70cbd0c939b" providerId="AD" clId="Web-{40E95D6C-5DB6-40CE-B915-9A11429FE331}" dt="2021-12-14T02:13:06.023" v="3"/>
-          <ac:picMkLst>
-            <pc:docMk/>
-            <pc:sldMk cId="4058285459" sldId="304"/>
-            <ac:picMk id="5" creationId="{0B7F5430-DB12-4831-9D70-4D10D29FD9C4}"/>
-          </ac:picMkLst>
-        </pc:picChg>
-      </pc:sldChg>
-      <pc:sldChg chg="addSp delSp modSp add replId">
-        <pc:chgData name="Sam Wagner" userId="S::samanthawagner@unomaha.edu::16297234-fb1c-49cd-ab2e-a70cbd0c939b" providerId="AD" clId="Web-{40E95D6C-5DB6-40CE-B915-9A11429FE331}" dt="2021-12-14T02:25:26.839" v="172" actId="1076"/>
-        <pc:sldMkLst>
-          <pc:docMk/>
-          <pc:sldMk cId="110576765" sldId="305"/>
-        </pc:sldMkLst>
-        <pc:picChg chg="del">
-          <ac:chgData name="Sam Wagner" userId="S::samanthawagner@unomaha.edu::16297234-fb1c-49cd-ab2e-a70cbd0c939b" providerId="AD" clId="Web-{40E95D6C-5DB6-40CE-B915-9A11429FE331}" dt="2021-12-14T02:25:05.276" v="162"/>
-          <ac:picMkLst>
-            <pc:docMk/>
-            <pc:sldMk cId="110576765" sldId="305"/>
-            <ac:picMk id="3" creationId="{F2F69BAE-40A9-4086-A197-172197D8E6ED}"/>
-          </ac:picMkLst>
-        </pc:picChg>
-        <pc:picChg chg="add del mod">
-          <ac:chgData name="Sam Wagner" userId="S::samanthawagner@unomaha.edu::16297234-fb1c-49cd-ab2e-a70cbd0c939b" providerId="AD" clId="Web-{40E95D6C-5DB6-40CE-B915-9A11429FE331}" dt="2021-12-14T02:25:26.839" v="172" actId="1076"/>
-          <ac:picMkLst>
-            <pc:docMk/>
-            <pc:sldMk cId="110576765" sldId="305"/>
-            <ac:picMk id="4" creationId="{ADAACC1A-6D6C-457E-A868-BE60CA8ADF49}"/>
-          </ac:picMkLst>
-        </pc:picChg>
-      </pc:sldChg>
-      <pc:sldChg chg="new del">
-        <pc:chgData name="Sam Wagner" userId="S::samanthawagner@unomaha.edu::16297234-fb1c-49cd-ab2e-a70cbd0c939b" providerId="AD" clId="Web-{40E95D6C-5DB6-40CE-B915-9A11429FE331}" dt="2021-12-14T02:15:09.836" v="35"/>
-        <pc:sldMkLst>
-          <pc:docMk/>
-          <pc:sldMk cId="2554028201" sldId="305"/>
-        </pc:sldMkLst>
       </pc:sldChg>
     </pc:docChg>
   </pc:docChgLst>
@@ -10523,7 +10523,7 @@
           <a:p>
             <a:fld id="{9184DA70-C731-4C70-880D-CCD4705E623C}" type="datetime1">
               <a:rPr lang="en-US" smtClean="0"/>
-              <a:t>12/13/2021</a:t>
+              <a:t>12/14/2021</a:t>
             </a:fld>
             <a:endParaRPr lang="en-US"/>
           </a:p>
@@ -10709,7 +10709,7 @@
           <a:p>
             <a:fld id="{4BE1D723-8F53-4F53-90B0-1982A396982E}" type="datetime1">
               <a:rPr lang="en-US" smtClean="0"/>
-              <a:t>12/13/2021</a:t>
+              <a:t>12/14/2021</a:t>
             </a:fld>
             <a:endParaRPr lang="en-US"/>
           </a:p>
@@ -11081,7 +11081,7 @@
           <a:p>
             <a:fld id="{97669AF7-7BEB-44E4-9852-375E34362B5B}" type="datetime1">
               <a:rPr lang="en-US" smtClean="0"/>
-              <a:t>12/13/2021</a:t>
+              <a:t>12/14/2021</a:t>
             </a:fld>
             <a:endParaRPr lang="en-US"/>
           </a:p>
@@ -11333,7 +11333,7 @@
           <a:p>
             <a:fld id="{BAAAC38D-0552-4C82-B593-E6124DFADBE2}" type="datetime1">
               <a:rPr lang="en-US" smtClean="0"/>
-              <a:t>12/13/2021</a:t>
+              <a:t>12/14/2021</a:t>
             </a:fld>
             <a:endParaRPr lang="en-US"/>
           </a:p>
@@ -11727,7 +11727,7 @@
           <a:p>
             <a:fld id="{D9DF0F1C-5577-4ACB-BB62-DF8F3C494C7E}" type="datetime1">
               <a:rPr lang="en-US" smtClean="0"/>
-              <a:t>12/13/2021</a:t>
+              <a:t>12/14/2021</a:t>
             </a:fld>
             <a:endParaRPr lang="en-US"/>
           </a:p>
@@ -11862,7 +11862,7 @@
           <a:p>
             <a:fld id="{1775B394-D9F9-4F0C-B15D-605F45CB9E9F}" type="datetime1">
               <a:rPr lang="en-US" smtClean="0"/>
-              <a:t>12/13/2021</a:t>
+              <a:t>12/14/2021</a:t>
             </a:fld>
             <a:endParaRPr lang="en-US"/>
           </a:p>
@@ -12019,7 +12019,7 @@
           <a:p>
             <a:fld id="{39667345-2558-425A-8533-9BFDBCE15005}" type="datetime1">
               <a:rPr lang="en-US" smtClean="0"/>
-              <a:t>12/13/2021</a:t>
+              <a:t>12/14/2021</a:t>
             </a:fld>
             <a:endParaRPr lang="en-US"/>
           </a:p>
@@ -12346,7 +12346,7 @@
           <a:p>
             <a:fld id="{92BEA474-078D-4E9B-9B14-09A87B19DC46}" type="datetime1">
               <a:rPr lang="en-US" smtClean="0"/>
-              <a:t>12/13/2021</a:t>
+              <a:t>12/14/2021</a:t>
             </a:fld>
             <a:endParaRPr lang="en-US"/>
           </a:p>
@@ -12694,7 +12694,7 @@
           <a:p>
             <a:fld id="{4907D986-8816-4272-A432-0437A28A9828}" type="datetime1">
               <a:rPr lang="en-US" smtClean="0"/>
-              <a:t>12/13/2021</a:t>
+              <a:t>12/14/2021</a:t>
             </a:fld>
             <a:endParaRPr lang="en-US"/>
           </a:p>
@@ -12953,7 +12953,7 @@
           <a:p>
             <a:fld id="{62D6E202-B606-4609-B914-27C9371A1F6D}" type="datetime1">
               <a:rPr lang="en-US" smtClean="0"/>
-              <a:t>12/13/2021</a:t>
+              <a:t>12/14/2021</a:t>
             </a:fld>
             <a:endParaRPr lang="en-US"/>
           </a:p>
@@ -16687,7 +16687,7 @@
               <a:buChar char="o"/>
             </a:pPr>
             <a:r>
-              <a:rPr lang="en-US" sz="2000"/>
+              <a:rPr lang="en-US" sz="2000" dirty="0"/>
               <a:t>About the TTP</a:t>
             </a:r>
           </a:p>
@@ -16697,10 +16697,10 @@
               <a:buChar char="o"/>
             </a:pPr>
             <a:r>
-              <a:rPr lang="en-US" sz="2000"/>
+              <a:rPr lang="en-US" sz="2000" dirty="0"/>
               <a:t>Results</a:t>
             </a:r>
-            <a:endParaRPr lang="en-US"/>
+            <a:endParaRPr lang="en-US" dirty="0"/>
           </a:p>
           <a:p>
             <a:pPr>
@@ -16708,7 +16708,7 @@
               <a:buChar char="o"/>
             </a:pPr>
             <a:r>
-              <a:rPr lang="en-US" sz="2000"/>
+              <a:rPr lang="en-US" sz="2000" dirty="0"/>
               <a:t>Preparing the Data &amp; Data Exploration</a:t>
             </a:r>
           </a:p>
@@ -16718,7 +16718,7 @@
               <a:buChar char="o"/>
             </a:pPr>
             <a:r>
-              <a:rPr lang="en-US" sz="2000"/>
+              <a:rPr lang="en-US" sz="2000" dirty="0"/>
               <a:t>Model Selection</a:t>
             </a:r>
           </a:p>
@@ -16728,7 +16728,7 @@
               <a:buChar char="o"/>
             </a:pPr>
             <a:r>
-              <a:rPr lang="en-US" sz="2000"/>
+              <a:rPr lang="en-US" sz="2000" dirty="0"/>
               <a:t>Challenges</a:t>
             </a:r>
           </a:p>
@@ -16738,17 +16738,7 @@
               <a:buChar char="o"/>
             </a:pPr>
             <a:r>
-              <a:rPr lang="en-US" sz="2000"/>
-              <a:t>Data Validation</a:t>
-            </a:r>
-          </a:p>
-          <a:p>
-            <a:pPr>
-              <a:buFont typeface="Courier New" panose="020F0502020204030204" pitchFamily="34" charset="0"/>
-              <a:buChar char="o"/>
-            </a:pPr>
-            <a:r>
-              <a:rPr lang="en-US" sz="2000"/>
+              <a:rPr lang="en-US" sz="2000" dirty="0"/>
               <a:t>Questions</a:t>
             </a:r>
           </a:p>
@@ -16757,10 +16747,10 @@
               <a:buFont typeface="Courier New" panose="020F0502020204030204" pitchFamily="34" charset="0"/>
               <a:buChar char="o"/>
             </a:pPr>
-            <a:endParaRPr lang="en-US" sz="2000"/>
+            <a:endParaRPr lang="en-US" sz="2000" dirty="0"/>
           </a:p>
           <a:p>
-            <a:endParaRPr lang="en-US"/>
+            <a:endParaRPr lang="en-US" dirty="0"/>
           </a:p>
         </p:txBody>
       </p:sp>
@@ -19339,15 +19329,6 @@
 </file>
 
 <file path=customXml/item1.xml><?xml version="1.0" encoding="utf-8"?>
-<?mso-contentType ?>
-<FormTemplates xmlns="http://schemas.microsoft.com/sharepoint/v3/contenttype/forms">
-  <Display>DocumentLibraryForm</Display>
-  <Edit>DocumentLibraryForm</Edit>
-  <New>DocumentLibraryForm</New>
-</FormTemplates>
-</file>
-
-<file path=customXml/item2.xml><?xml version="1.0" encoding="utf-8"?>
 <ct:contentTypeSchema xmlns:ct="http://schemas.microsoft.com/office/2006/metadata/contentType" xmlns:ma="http://schemas.microsoft.com/office/2006/metadata/properties/metaAttributes" ct:_="" ma:_="" ma:contentTypeName="Document" ma:contentTypeID="0x0101009E371F699C7D5D4DAD4314D90974EC8C" ma:contentTypeVersion="8" ma:contentTypeDescription="Create a new document." ma:contentTypeScope="" ma:versionID="13e2363da92696a32a40e3eed9c4375e">
   <xsd:schema xmlns:xsd="http://www.w3.org/2001/XMLSchema" xmlns:xs="http://www.w3.org/2001/XMLSchema" xmlns:p="http://schemas.microsoft.com/office/2006/metadata/properties" xmlns:ns2="eb9434e9-b13e-4cc8-a4e1-cd92508e485b" targetNamespace="http://schemas.microsoft.com/office/2006/metadata/properties" ma:root="true" ma:fieldsID="ac5513f309771d18d439cbfeadfcb1c0" ns2:_="">
     <xsd:import namespace="eb9434e9-b13e-4cc8-a4e1-cd92508e485b"/>
@@ -19519,6 +19500,15 @@
 </ct:contentTypeSchema>
 </file>
 
+<file path=customXml/item2.xml><?xml version="1.0" encoding="utf-8"?>
+<?mso-contentType ?>
+<FormTemplates xmlns="http://schemas.microsoft.com/sharepoint/v3/contenttype/forms">
+  <Display>DocumentLibraryForm</Display>
+  <Edit>DocumentLibraryForm</Edit>
+  <New>DocumentLibraryForm</New>
+</FormTemplates>
+</file>
+
 <file path=customXml/item3.xml><?xml version="1.0" encoding="utf-8"?>
 <p:properties xmlns:p="http://schemas.microsoft.com/office/2006/metadata/properties" xmlns:xsi="http://www.w3.org/2001/XMLSchema-instance" xmlns:pc="http://schemas.microsoft.com/office/infopath/2007/PartnerControls">
   <documentManagement>
@@ -19528,14 +19518,6 @@
 </file>
 
 <file path=customXml/itemProps1.xml><?xml version="1.0" encoding="utf-8"?>
-<ds:datastoreItem xmlns:ds="http://schemas.openxmlformats.org/officeDocument/2006/customXml" ds:itemID="{2E5ECA37-C458-4BA2-A090-D7A19E07B434}">
-  <ds:schemaRefs>
-    <ds:schemaRef ds:uri="http://schemas.microsoft.com/sharepoint/v3/contenttype/forms"/>
-  </ds:schemaRefs>
-</ds:datastoreItem>
-</file>
-
-<file path=customXml/itemProps2.xml><?xml version="1.0" encoding="utf-8"?>
 <ds:datastoreItem xmlns:ds="http://schemas.openxmlformats.org/officeDocument/2006/customXml" ds:itemID="{16C1DB46-7A79-4E15-BD71-B79CDA1B259D}">
   <ds:schemaRefs>
     <ds:schemaRef ds:uri="eb9434e9-b13e-4cc8-a4e1-cd92508e485b"/>
@@ -19549,6 +19531,14 @@
     <ds:schemaRef ds:uri="http://schemas.microsoft.com/office/infopath/2007/PartnerControls"/>
     <ds:schemaRef ds:uri="http://schemas.openxmlformats.org/package/2006/metadata/core-properties"/>
     <ds:schemaRef ds:uri="http://www.w3.org/2001/XMLSchema"/>
+  </ds:schemaRefs>
+</ds:datastoreItem>
+</file>
+
+<file path=customXml/itemProps2.xml><?xml version="1.0" encoding="utf-8"?>
+<ds:datastoreItem xmlns:ds="http://schemas.openxmlformats.org/officeDocument/2006/customXml" ds:itemID="{2E5ECA37-C458-4BA2-A090-D7A19E07B434}">
+  <ds:schemaRefs>
+    <ds:schemaRef ds:uri="http://schemas.microsoft.com/sharepoint/v3/contenttype/forms"/>
   </ds:schemaRefs>
 </ds:datastoreItem>
 </file>
